--- a/proj2/docs/checkpoint.pptx
+++ b/proj2/docs/checkpoint.pptx
@@ -9,7 +9,7 @@
   </p:notesMasterIdLst>
   <p:sldIdLst>
     <p:sldId id="256" r:id="rId2"/>
-    <p:sldId id="257" r:id="rId3"/>
+    <p:sldId id="288" r:id="rId3"/>
     <p:sldId id="272" r:id="rId4"/>
     <p:sldId id="285" r:id="rId5"/>
     <p:sldId id="287" r:id="rId6"/>
@@ -202,7 +202,7 @@
           <a:p>
             <a:fld id="{F44294F6-B623-4C0C-8B0A-DE37EB53E815}" type="datetimeFigureOut">
               <a:rPr lang="pt-PT" smtClean="0"/>
-              <a:t>15/05/2021</a:t>
+              <a:t>16/05/2021</a:t>
             </a:fld>
             <a:endParaRPr lang="pt-PT"/>
           </a:p>
@@ -695,7 +695,7 @@
           <a:p>
             <a:fld id="{73127B9F-1CEF-4C20-BF03-D17360EE4279}" type="datetime1">
               <a:rPr lang="en-US" smtClean="0"/>
-              <a:t>5/15/2021</a:t>
+              <a:t>5/16/2021</a:t>
             </a:fld>
             <a:endParaRPr lang="en-US" dirty="0"/>
           </a:p>
@@ -908,7 +908,7 @@
           <a:p>
             <a:fld id="{9C2AA84B-6463-48D6-9640-AA8D8EC0676F}" type="datetime1">
               <a:rPr lang="en-US" smtClean="0"/>
-              <a:t>5/15/2021</a:t>
+              <a:t>5/16/2021</a:t>
             </a:fld>
             <a:endParaRPr lang="en-US" dirty="0"/>
           </a:p>
@@ -1169,7 +1169,7 @@
           <a:p>
             <a:fld id="{17AEE62D-9B0A-477D-B3AC-2619EA412BF5}" type="datetime1">
               <a:rPr lang="en-US" smtClean="0"/>
-              <a:t>5/15/2021</a:t>
+              <a:t>5/16/2021</a:t>
             </a:fld>
             <a:endParaRPr lang="en-US" dirty="0"/>
           </a:p>
@@ -1344,7 +1344,7 @@
           <a:p>
             <a:fld id="{8861DA35-EAEB-489D-A1AF-9015E3D16DF9}" type="datetime1">
               <a:rPr lang="en-US" smtClean="0"/>
-              <a:t>5/15/2021</a:t>
+              <a:t>5/16/2021</a:t>
             </a:fld>
             <a:endParaRPr lang="en-US" dirty="0"/>
           </a:p>
@@ -1692,7 +1692,7 @@
           <a:p>
             <a:fld id="{72C57D42-48FC-4059-8102-DCAA8818E42F}" type="datetime1">
               <a:rPr lang="en-US" smtClean="0"/>
-              <a:t>5/15/2021</a:t>
+              <a:t>5/16/2021</a:t>
             </a:fld>
             <a:endParaRPr lang="en-US" dirty="0"/>
           </a:p>
@@ -1972,7 +1972,7 @@
           <a:p>
             <a:fld id="{E1632BDA-8E0D-4498-8032-34BF76D7B241}" type="datetime1">
               <a:rPr lang="en-US" smtClean="0"/>
-              <a:t>5/15/2021</a:t>
+              <a:t>5/16/2021</a:t>
             </a:fld>
             <a:endParaRPr lang="en-US" dirty="0"/>
           </a:p>
@@ -2356,7 +2356,7 @@
           <a:p>
             <a:fld id="{74260D5A-4A0B-4CED-8D66-4ADB1195BC89}" type="datetime1">
               <a:rPr lang="en-US" smtClean="0"/>
-              <a:t>5/15/2021</a:t>
+              <a:t>5/16/2021</a:t>
             </a:fld>
             <a:endParaRPr lang="en-US" dirty="0"/>
           </a:p>
@@ -2479,7 +2479,7 @@
           <a:p>
             <a:fld id="{91F6F9B4-FE5D-4101-A65A-2789C0AD46B7}" type="datetime1">
               <a:rPr lang="en-US" smtClean="0"/>
-              <a:t>5/15/2021</a:t>
+              <a:t>5/16/2021</a:t>
             </a:fld>
             <a:endParaRPr lang="en-US" dirty="0"/>
           </a:p>
@@ -2655,7 +2655,7 @@
           <a:p>
             <a:fld id="{180BD065-C9D8-4349-98F7-40EA485F831D}" type="datetime1">
               <a:rPr lang="en-US" smtClean="0"/>
-              <a:t>5/15/2021</a:t>
+              <a:t>5/16/2021</a:t>
             </a:fld>
             <a:endParaRPr lang="en-US" dirty="0"/>
           </a:p>
@@ -3014,7 +3014,7 @@
           <a:p>
             <a:fld id="{BA50BE06-1E37-4C09-8CAB-0552D9D0B473}" type="datetime1">
               <a:rPr lang="en-US" smtClean="0"/>
-              <a:t>5/15/2021</a:t>
+              <a:t>5/16/2021</a:t>
             </a:fld>
             <a:endParaRPr lang="en-US" dirty="0"/>
           </a:p>
@@ -3396,7 +3396,7 @@
           <a:p>
             <a:fld id="{68368B77-A686-46B6-9C66-013E6212C94A}" type="datetime1">
               <a:rPr lang="en-US" smtClean="0"/>
-              <a:t>5/15/2021</a:t>
+              <a:t>5/16/2021</a:t>
             </a:fld>
             <a:endParaRPr lang="en-US" dirty="0"/>
           </a:p>
@@ -3688,7 +3688,7 @@
           <a:p>
             <a:fld id="{3CD9D971-2A51-4AF6-BFC5-14FC66AB3101}" type="datetime1">
               <a:rPr lang="en-US" smtClean="0"/>
-              <a:t>5/15/2021</a:t>
+              <a:t>5/16/2021</a:t>
             </a:fld>
             <a:endParaRPr lang="en-US" dirty="0"/>
           </a:p>
@@ -4727,14 +4727,6 @@
 <file path=ppt/slides/slide2.xml><?xml version="1.0" encoding="utf-8"?>
 <p:sld xmlns:a="http://schemas.openxmlformats.org/drawingml/2006/main" xmlns:r="http://schemas.openxmlformats.org/officeDocument/2006/relationships" xmlns:p="http://schemas.openxmlformats.org/presentationml/2006/main">
   <p:cSld>
-    <p:bg>
-      <p:bgPr>
-        <a:solidFill>
-          <a:schemeClr val="bg1"/>
-        </a:solidFill>
-        <a:effectLst/>
-      </p:bgPr>
-    </p:bg>
     <p:spTree>
       <p:nvGrpSpPr>
         <p:cNvPr id="1" name=""/>
@@ -4749,72 +4741,41 @@
           <a:chExt cx="0" cy="0"/>
         </a:xfrm>
       </p:grpSpPr>
-      <p:sp useBgFill="1">
-        <p:nvSpPr>
-          <p:cNvPr id="52" name="Rectangle 51">
+      <p:sp>
+        <p:nvSpPr>
+          <p:cNvPr id="2" name="Título 1">
             <a:extLst>
               <a:ext uri="{FF2B5EF4-FFF2-40B4-BE49-F238E27FC236}">
-                <a16:creationId xmlns:a16="http://schemas.microsoft.com/office/drawing/2014/main" id="{1D0D66E3-66B1-4809-970D-5FAC7D98ABF6}"/>
-              </a:ext>
-              <a:ext uri="{C183D7F6-B498-43B3-948B-1728B52AA6E4}">
-                <adec:decorative xmlns:adec="http://schemas.microsoft.com/office/drawing/2017/decorative" val="1"/>
+                <a16:creationId xmlns:a16="http://schemas.microsoft.com/office/drawing/2014/main" id="{EA26B5C5-241D-48A4-BAA7-7A5B3842F76D}"/>
               </a:ext>
             </a:extLst>
           </p:cNvPr>
           <p:cNvSpPr>
-            <a:spLocks noGrp="1" noRot="1" noChangeAspect="1" noMove="1" noResize="1" noEditPoints="1" noAdjustHandles="1" noChangeArrowheads="1" noChangeShapeType="1" noTextEdit="1"/>
-          </p:cNvSpPr>
-          <p:nvPr>
-            <p:extLst>
-              <p:ext uri="{386F3935-93C4-4BCD-93E2-E3B085C9AB24}">
-                <p16:designElem xmlns:p16="http://schemas.microsoft.com/office/powerpoint/2015/main" val="1"/>
-              </p:ext>
-            </p:extLst>
-          </p:nvPr>
-        </p:nvSpPr>
-        <p:spPr>
-          <a:xfrm>
-            <a:off x="0" y="0"/>
-            <a:ext cx="12192001" cy="6334316"/>
-          </a:xfrm>
-          <a:prstGeom prst="rect">
-            <a:avLst/>
-          </a:prstGeom>
-          <a:ln>
-            <a:noFill/>
-          </a:ln>
-        </p:spPr>
-        <p:style>
-          <a:lnRef idx="2">
-            <a:schemeClr val="accent1">
-              <a:shade val="50000"/>
-            </a:schemeClr>
-          </a:lnRef>
-          <a:fillRef idx="1">
-            <a:schemeClr val="accent1"/>
-          </a:fillRef>
-          <a:effectRef idx="0">
-            <a:schemeClr val="accent1"/>
-          </a:effectRef>
-          <a:fontRef idx="minor">
-            <a:schemeClr val="lt1"/>
-          </a:fontRef>
-        </p:style>
-        <p:txBody>
-          <a:bodyPr rtlCol="0" anchor="ctr"/>
+            <a:spLocks noGrp="1"/>
+          </p:cNvSpPr>
+          <p:nvPr>
+            <p:ph type="title"/>
+          </p:nvPr>
+        </p:nvSpPr>
+        <p:spPr/>
+        <p:txBody>
+          <a:bodyPr/>
           <a:lstStyle/>
           <a:p>
-            <a:pPr algn="ctr"/>
-            <a:endParaRPr lang="en-US"/>
-          </a:p>
-        </p:txBody>
-      </p:sp>
-      <p:sp>
-        <p:nvSpPr>
-          <p:cNvPr id="2" name="Título 1">
+            <a:r>
+              <a:rPr lang="pt-PT" b="1" dirty="0"/>
+              <a:t>Especificação do Projeto</a:t>
+            </a:r>
+            <a:endParaRPr lang="pt-PT" dirty="0"/>
+          </a:p>
+        </p:txBody>
+      </p:sp>
+      <p:sp>
+        <p:nvSpPr>
+          <p:cNvPr id="3" name="Marcador de Posição de Conteúdo 2">
             <a:extLst>
               <a:ext uri="{FF2B5EF4-FFF2-40B4-BE49-F238E27FC236}">
-                <a16:creationId xmlns:a16="http://schemas.microsoft.com/office/drawing/2014/main" id="{22BF14D9-8604-4164-9D68-8C81304BC6E6}"/>
+                <a16:creationId xmlns:a16="http://schemas.microsoft.com/office/drawing/2014/main" id="{F30F529A-CCCD-44AC-913C-8D5237BB95A5}"/>
               </a:ext>
             </a:extLst>
           </p:cNvPr>
@@ -4822,386 +4783,113 @@
             <a:spLocks noGrp="1"/>
           </p:cNvSpPr>
           <p:nvPr>
-            <p:ph type="title"/>
+            <p:ph idx="1"/>
           </p:nvPr>
         </p:nvSpPr>
         <p:spPr>
           <a:xfrm>
-            <a:off x="1097280" y="286603"/>
-            <a:ext cx="10058400" cy="1450757"/>
+            <a:off x="1097280" y="1845734"/>
+            <a:ext cx="10058400" cy="915051"/>
           </a:xfrm>
         </p:spPr>
         <p:txBody>
-          <a:bodyPr>
-            <a:normAutofit/>
-          </a:bodyPr>
+          <a:bodyPr/>
           <a:lstStyle/>
           <a:p>
             <a:r>
-              <a:rPr lang="pt-PT" b="1" dirty="0"/>
-              <a:t>Especificação do Projeto</a:t>
-            </a:r>
-            <a:endParaRPr lang="en-US" b="1" dirty="0"/>
-          </a:p>
-        </p:txBody>
-      </p:sp>
-      <p:cxnSp>
-        <p:nvCxnSpPr>
-          <p:cNvPr id="54" name="Straight Connector 53">
+              <a:rPr lang="pt-PT" sz="2000" dirty="0"/>
+              <a:t>O</a:t>
+            </a:r>
+            <a:r>
+              <a:rPr lang="pt-PT" sz="1600" dirty="0"/>
+              <a:t> objetivo deste trabalho é utilizar </a:t>
+            </a:r>
+            <a:r>
+              <a:rPr lang="pt-PT" sz="1600" dirty="0" err="1"/>
+              <a:t>Supervised</a:t>
+            </a:r>
+            <a:r>
+              <a:rPr lang="pt-PT" sz="1600" dirty="0"/>
+              <a:t> </a:t>
+            </a:r>
+            <a:r>
+              <a:rPr lang="pt-PT" sz="1600" dirty="0" err="1"/>
+              <a:t>Learning</a:t>
+            </a:r>
+            <a:r>
+              <a:rPr lang="pt-PT" sz="1600" dirty="0"/>
+              <a:t> para prever o grau de risco de um empréstimo (</a:t>
+            </a:r>
+            <a:r>
+              <a:rPr lang="pt-PT" sz="1600" dirty="0" err="1"/>
+              <a:t>loan</a:t>
+            </a:r>
+            <a:r>
+              <a:rPr lang="pt-PT" sz="1600" dirty="0"/>
+              <a:t> grade).  Para isso, contamos com um </a:t>
+            </a:r>
+            <a:r>
+              <a:rPr lang="pt-PT" sz="1600" dirty="0" err="1"/>
+              <a:t>dataset</a:t>
+            </a:r>
+            <a:r>
+              <a:rPr lang="pt-PT" sz="1600" dirty="0"/>
+              <a:t> de 855969 amostras de empréstimo. </a:t>
+            </a:r>
+            <a:r>
+              <a:rPr lang="pt-PT" sz="1600" b="0" i="0" dirty="0">
+                <a:effectLst/>
+              </a:rPr>
+              <a:t>Es</a:t>
+            </a:r>
+            <a:r>
+              <a:rPr lang="pt-PT" sz="1600" dirty="0"/>
+              <a:t>tas amostras contêm os 73 atributos sendo os mais importantes selecionados:</a:t>
+            </a:r>
+          </a:p>
+          <a:p>
+            <a:endParaRPr lang="pt-PT" sz="1600" dirty="0"/>
+          </a:p>
+          <a:p>
+            <a:endParaRPr lang="pt-PT" dirty="0"/>
+          </a:p>
+        </p:txBody>
+      </p:sp>
+      <p:sp>
+        <p:nvSpPr>
+          <p:cNvPr id="4" name="Marcador de Posição do Número do Diapositivo 3">
             <a:extLst>
               <a:ext uri="{FF2B5EF4-FFF2-40B4-BE49-F238E27FC236}">
-                <a16:creationId xmlns:a16="http://schemas.microsoft.com/office/drawing/2014/main" id="{FB8CFFA2-5702-4046-A351-4A6699C01DA8}"/>
-              </a:ext>
-              <a:ext uri="{C183D7F6-B498-43B3-948B-1728B52AA6E4}">
-                <adec:decorative xmlns:adec="http://schemas.microsoft.com/office/drawing/2017/decorative" val="1"/>
+                <a16:creationId xmlns:a16="http://schemas.microsoft.com/office/drawing/2014/main" id="{DBFC5BC0-D0B4-417E-85C0-F3183E938295}"/>
               </a:ext>
             </a:extLst>
           </p:cNvPr>
-          <p:cNvCxnSpPr>
-            <a:cxnSpLocks noGrp="1" noRot="1" noChangeAspect="1" noMove="1" noResize="1" noEditPoints="1" noAdjustHandles="1" noChangeArrowheads="1" noChangeShapeType="1"/>
-          </p:cNvCxnSpPr>
-          <p:nvPr>
-            <p:extLst>
-              <p:ext uri="{386F3935-93C4-4BCD-93E2-E3B085C9AB24}">
-                <p16:designElem xmlns:p16="http://schemas.microsoft.com/office/powerpoint/2015/main" val="1"/>
-              </p:ext>
-            </p:extLst>
-          </p:nvPr>
-        </p:nvCxnSpPr>
-        <p:spPr>
-          <a:xfrm>
-            <a:off x="1193532" y="1737845"/>
-            <a:ext cx="9966960" cy="0"/>
-          </a:xfrm>
-          <a:prstGeom prst="line">
-            <a:avLst/>
-          </a:prstGeom>
-          <a:ln w="6350">
-            <a:solidFill>
-              <a:schemeClr val="tx1">
-                <a:lumMod val="50000"/>
-                <a:lumOff val="50000"/>
-              </a:schemeClr>
-            </a:solidFill>
-          </a:ln>
-        </p:spPr>
-        <p:style>
-          <a:lnRef idx="1">
-            <a:schemeClr val="accent1"/>
-          </a:lnRef>
-          <a:fillRef idx="0">
-            <a:schemeClr val="accent1"/>
-          </a:fillRef>
-          <a:effectRef idx="0">
-            <a:schemeClr val="accent1"/>
-          </a:effectRef>
-          <a:fontRef idx="minor">
-            <a:schemeClr val="tx1"/>
-          </a:fontRef>
-        </p:style>
-      </p:cxnSp>
-      <p:sp>
-        <p:nvSpPr>
-          <p:cNvPr id="3" name="Marcador de Posição de Conteúdo 2">
+          <p:cNvSpPr>
+            <a:spLocks noGrp="1"/>
+          </p:cNvSpPr>
+          <p:nvPr>
+            <p:ph type="sldNum" sz="quarter" idx="12"/>
+          </p:nvPr>
+        </p:nvSpPr>
+        <p:spPr/>
+        <p:txBody>
+          <a:bodyPr/>
+          <a:lstStyle/>
+          <a:p>
+            <a:fld id="{6D22F896-40B5-4ADD-8801-0D06FADFA095}" type="slidenum">
+              <a:rPr lang="en-US" smtClean="0"/>
+              <a:t>2</a:t>
+            </a:fld>
+            <a:endParaRPr lang="en-US" dirty="0"/>
+          </a:p>
+        </p:txBody>
+      </p:sp>
+      <p:sp>
+        <p:nvSpPr>
+          <p:cNvPr id="6" name="CaixaDeTexto 5">
             <a:extLst>
               <a:ext uri="{FF2B5EF4-FFF2-40B4-BE49-F238E27FC236}">
-                <a16:creationId xmlns:a16="http://schemas.microsoft.com/office/drawing/2014/main" id="{F6C8A3F6-3C71-4D19-BE01-600625369EC4}"/>
-              </a:ext>
-            </a:extLst>
-          </p:cNvPr>
-          <p:cNvSpPr>
-            <a:spLocks noGrp="1"/>
-          </p:cNvSpPr>
-          <p:nvPr>
-            <p:ph idx="1"/>
-          </p:nvPr>
-        </p:nvSpPr>
-        <p:spPr>
-          <a:xfrm>
-            <a:off x="624424" y="1845734"/>
-            <a:ext cx="10943149" cy="4023360"/>
-          </a:xfrm>
-        </p:spPr>
-        <p:txBody>
-          <a:bodyPr>
-            <a:normAutofit/>
-          </a:bodyPr>
-          <a:lstStyle/>
-          <a:p>
-            <a:pPr marL="0" indent="0" algn="just">
-              <a:buNone/>
-            </a:pPr>
-            <a:r>
-              <a:rPr lang="pt-PT" sz="1600" dirty="0"/>
-              <a:t>O objetivo deste trabalho é utilizar </a:t>
-            </a:r>
-            <a:r>
-              <a:rPr lang="pt-PT" sz="1600" dirty="0" err="1"/>
-              <a:t>Supervised</a:t>
-            </a:r>
-            <a:r>
-              <a:rPr lang="pt-PT" sz="1600" dirty="0"/>
-              <a:t> </a:t>
-            </a:r>
-            <a:r>
-              <a:rPr lang="pt-PT" sz="1600" dirty="0" err="1"/>
-              <a:t>Learning</a:t>
-            </a:r>
-            <a:r>
-              <a:rPr lang="pt-PT" sz="1600" dirty="0"/>
-              <a:t> para prever o grau de um empréstimo (</a:t>
-            </a:r>
-            <a:r>
-              <a:rPr lang="pt-PT" sz="1600" dirty="0" err="1"/>
-              <a:t>loan</a:t>
-            </a:r>
-            <a:r>
-              <a:rPr lang="pt-PT" sz="1600" dirty="0"/>
-              <a:t> grade). Para isso, contamos com um </a:t>
-            </a:r>
-            <a:r>
-              <a:rPr lang="pt-PT" sz="1600" dirty="0" err="1"/>
-              <a:t>dataset</a:t>
-            </a:r>
-            <a:r>
-              <a:rPr lang="pt-PT" sz="1600" dirty="0"/>
-              <a:t> de 8,55,969 amostras de empréstimo. </a:t>
-            </a:r>
-            <a:r>
-              <a:rPr lang="pt-PT" sz="1600" b="0" i="0" dirty="0">
-                <a:effectLst/>
-              </a:rPr>
-              <a:t>Es</a:t>
-            </a:r>
-            <a:r>
-              <a:rPr lang="pt-PT" sz="1600" dirty="0"/>
-              <a:t>tas amostras contêm os 73 atributos sendo os mais importantes selecionados:</a:t>
-            </a:r>
-          </a:p>
-          <a:p>
-            <a:pPr algn="just">
-              <a:buFont typeface="Wingdings" panose="05000000000000000000" pitchFamily="2" charset="2"/>
-              <a:buChar char="Ø"/>
-            </a:pPr>
-            <a:endParaRPr lang="en-US" sz="1600" b="1" dirty="0"/>
-          </a:p>
-          <a:p>
-            <a:pPr marL="0" indent="0" algn="just">
-              <a:buNone/>
-            </a:pPr>
-            <a:endParaRPr lang="en-US" sz="1600" b="1" dirty="0"/>
-          </a:p>
-          <a:p>
-            <a:pPr marL="0" indent="0" algn="just">
-              <a:buNone/>
-            </a:pPr>
-            <a:endParaRPr lang="en-US" sz="1600" b="1" i="0" dirty="0">
-              <a:effectLst/>
-            </a:endParaRPr>
-          </a:p>
-          <a:p>
-            <a:pPr algn="just"/>
-            <a:r>
-              <a:rPr lang="pt-PT" sz="1600" b="0" i="0" dirty="0">
-                <a:effectLst/>
-              </a:rPr>
-              <a:t>Tirando partido dos diferentes valores destes atributos, utilizaremos vários classificadores para avaliar o possível grau de cada empréstimo, com uma taxa de acerto aceitável.</a:t>
-            </a:r>
-          </a:p>
-        </p:txBody>
-      </p:sp>
-      <p:sp>
-        <p:nvSpPr>
-          <p:cNvPr id="56" name="Rectangle 55">
-            <a:extLst>
-              <a:ext uri="{FF2B5EF4-FFF2-40B4-BE49-F238E27FC236}">
-                <a16:creationId xmlns:a16="http://schemas.microsoft.com/office/drawing/2014/main" id="{D4813388-C6B7-4C78-9FAF-F96F1FD81686}"/>
-              </a:ext>
-              <a:ext uri="{C183D7F6-B498-43B3-948B-1728B52AA6E4}">
-                <adec:decorative xmlns:adec="http://schemas.microsoft.com/office/drawing/2017/decorative" val="1"/>
-              </a:ext>
-            </a:extLst>
-          </p:cNvPr>
-          <p:cNvSpPr>
-            <a:spLocks noGrp="1" noRot="1" noChangeAspect="1" noMove="1" noResize="1" noEditPoints="1" noAdjustHandles="1" noChangeArrowheads="1" noChangeShapeType="1" noTextEdit="1"/>
-          </p:cNvSpPr>
-          <p:nvPr>
-            <p:extLst>
-              <p:ext uri="{386F3935-93C4-4BCD-93E2-E3B085C9AB24}">
-                <p16:designElem xmlns:p16="http://schemas.microsoft.com/office/powerpoint/2015/main" val="1"/>
-              </p:ext>
-            </p:extLst>
-          </p:nvPr>
-        </p:nvSpPr>
-        <p:spPr>
-          <a:xfrm>
-            <a:off x="15" y="6334316"/>
-            <a:ext cx="12191985" cy="66484"/>
-          </a:xfrm>
-          <a:prstGeom prst="rect">
-            <a:avLst/>
-          </a:prstGeom>
-          <a:solidFill>
-            <a:srgbClr val="02CBE7"/>
-          </a:solidFill>
-          <a:ln>
-            <a:noFill/>
-          </a:ln>
-        </p:spPr>
-        <p:style>
-          <a:lnRef idx="2">
-            <a:schemeClr val="accent1">
-              <a:shade val="50000"/>
-            </a:schemeClr>
-          </a:lnRef>
-          <a:fillRef idx="1">
-            <a:schemeClr val="accent1"/>
-          </a:fillRef>
-          <a:effectRef idx="0">
-            <a:schemeClr val="accent1"/>
-          </a:effectRef>
-          <a:fontRef idx="minor">
-            <a:schemeClr val="lt1"/>
-          </a:fontRef>
-        </p:style>
-      </p:sp>
-      <p:sp>
-        <p:nvSpPr>
-          <p:cNvPr id="58" name="Rectangle 57">
-            <a:extLst>
-              <a:ext uri="{FF2B5EF4-FFF2-40B4-BE49-F238E27FC236}">
-                <a16:creationId xmlns:a16="http://schemas.microsoft.com/office/drawing/2014/main" id="{830FF883-91FF-4D15-82AC-C6980918D2AC}"/>
-              </a:ext>
-              <a:ext uri="{C183D7F6-B498-43B3-948B-1728B52AA6E4}">
-                <adec:decorative xmlns:adec="http://schemas.microsoft.com/office/drawing/2017/decorative" val="1"/>
-              </a:ext>
-            </a:extLst>
-          </p:cNvPr>
-          <p:cNvSpPr>
-            <a:spLocks noGrp="1" noRot="1" noChangeAspect="1" noMove="1" noResize="1" noEditPoints="1" noAdjustHandles="1" noChangeArrowheads="1" noChangeShapeType="1" noTextEdit="1"/>
-          </p:cNvSpPr>
-          <p:nvPr>
-            <p:extLst>
-              <p:ext uri="{386F3935-93C4-4BCD-93E2-E3B085C9AB24}">
-                <p16:designElem xmlns:p16="http://schemas.microsoft.com/office/powerpoint/2015/main" val="1"/>
-              </p:ext>
-            </p:extLst>
-          </p:nvPr>
-        </p:nvSpPr>
-        <p:spPr>
-          <a:xfrm>
-            <a:off x="1" y="6400800"/>
-            <a:ext cx="12192000" cy="457200"/>
-          </a:xfrm>
-          <a:prstGeom prst="rect">
-            <a:avLst/>
-          </a:prstGeom>
-          <a:solidFill>
-            <a:srgbClr val="0853A7"/>
-          </a:solidFill>
-          <a:ln>
-            <a:noFill/>
-          </a:ln>
-        </p:spPr>
-        <p:style>
-          <a:lnRef idx="2">
-            <a:schemeClr val="accent1">
-              <a:shade val="50000"/>
-            </a:schemeClr>
-          </a:lnRef>
-          <a:fillRef idx="1">
-            <a:schemeClr val="accent1"/>
-          </a:fillRef>
-          <a:effectRef idx="0">
-            <a:schemeClr val="accent1"/>
-          </a:effectRef>
-          <a:fontRef idx="minor">
-            <a:schemeClr val="lt1"/>
-          </a:fontRef>
-        </p:style>
-      </p:sp>
-      <p:sp>
-        <p:nvSpPr>
-          <p:cNvPr id="4" name="Marcador de Posição do Número do Diapositivo 3">
-            <a:extLst>
-              <a:ext uri="{FF2B5EF4-FFF2-40B4-BE49-F238E27FC236}">
-                <a16:creationId xmlns:a16="http://schemas.microsoft.com/office/drawing/2014/main" id="{9D94D4FD-2B8C-4363-B1C5-BE1286ECDC9E}"/>
-              </a:ext>
-            </a:extLst>
-          </p:cNvPr>
-          <p:cNvSpPr>
-            <a:spLocks noGrp="1"/>
-          </p:cNvSpPr>
-          <p:nvPr>
-            <p:ph type="sldNum" sz="quarter" idx="12"/>
-          </p:nvPr>
-        </p:nvSpPr>
-        <p:spPr>
-          <a:xfrm>
-            <a:off x="9900458" y="6459785"/>
-            <a:ext cx="1312025" cy="365125"/>
-          </a:xfrm>
-        </p:spPr>
-        <p:txBody>
-          <a:bodyPr>
-            <a:normAutofit/>
-          </a:bodyPr>
-          <a:lstStyle/>
-          <a:p>
-            <a:pPr>
-              <a:spcAft>
-                <a:spcPts val="600"/>
-              </a:spcAft>
-            </a:pPr>
-            <a:fld id="{6D22F896-40B5-4ADD-8801-0D06FADFA095}" type="slidenum">
-              <a:rPr lang="en-US" smtClean="0"/>
-              <a:pPr>
-                <a:spcAft>
-                  <a:spcPts val="600"/>
-                </a:spcAft>
-              </a:pPr>
-              <a:t>2</a:t>
-            </a:fld>
-            <a:endParaRPr lang="en-US"/>
-          </a:p>
-        </p:txBody>
-      </p:sp>
-      <p:pic>
-        <p:nvPicPr>
-          <p:cNvPr id="6" name="Imagem 5">
-            <a:extLst>
-              <a:ext uri="{FF2B5EF4-FFF2-40B4-BE49-F238E27FC236}">
-                <a16:creationId xmlns:a16="http://schemas.microsoft.com/office/drawing/2014/main" id="{F0A18FA0-2E94-4C39-AE8F-5A26125E2366}"/>
-              </a:ext>
-            </a:extLst>
-          </p:cNvPr>
-          <p:cNvPicPr>
-            <a:picLocks noChangeAspect="1"/>
-          </p:cNvPicPr>
-          <p:nvPr/>
-        </p:nvPicPr>
-        <p:blipFill>
-          <a:blip r:embed="rId2"/>
-          <a:stretch>
-            <a:fillRect/>
-          </a:stretch>
-        </p:blipFill>
-        <p:spPr>
-          <a:xfrm>
-            <a:off x="624425" y="4303880"/>
-            <a:ext cx="10943149" cy="1924624"/>
-          </a:xfrm>
-          <a:prstGeom prst="rect">
-            <a:avLst/>
-          </a:prstGeom>
-        </p:spPr>
-      </p:pic>
-      <p:sp>
-        <p:nvSpPr>
-          <p:cNvPr id="7" name="CaixaDeTexto 6">
-            <a:extLst>
-              <a:ext uri="{FF2B5EF4-FFF2-40B4-BE49-F238E27FC236}">
-                <a16:creationId xmlns:a16="http://schemas.microsoft.com/office/drawing/2014/main" id="{0512ADE4-333C-4509-8FF7-EF6B24494379}"/>
+                <a16:creationId xmlns:a16="http://schemas.microsoft.com/office/drawing/2014/main" id="{5DB84FA4-9A5C-4387-9085-B4FB74008AA0}"/>
               </a:ext>
             </a:extLst>
           </p:cNvPr>
@@ -5210,8 +4898,8 @@
         </p:nvSpPr>
         <p:spPr>
           <a:xfrm>
-            <a:off x="6263223" y="2454387"/>
-            <a:ext cx="5928774" cy="1354217"/>
+            <a:off x="1097280" y="2943054"/>
+            <a:ext cx="10058400" cy="2308324"/>
           </a:xfrm>
           <a:prstGeom prst="rect">
             <a:avLst/>
@@ -5219,17 +4907,72 @@
           <a:noFill/>
         </p:spPr>
         <p:txBody>
-          <a:bodyPr wrap="square" rtlCol="0">
+          <a:bodyPr wrap="square" numCol="2" rtlCol="0">
             <a:spAutoFit/>
           </a:bodyPr>
           <a:lstStyle/>
           <a:p>
-            <a:pPr algn="just">
+            <a:pPr marL="285750" indent="-285750">
               <a:buFont typeface="Wingdings" panose="05000000000000000000" pitchFamily="2" charset="2"/>
               <a:buChar char="Ø"/>
             </a:pPr>
             <a:r>
-              <a:rPr lang="en-US" sz="1600" b="1" dirty="0">
+              <a:rPr lang="en-US" sz="1600" b="1" dirty="0" err="1">
+                <a:solidFill>
+                  <a:schemeClr val="tx1">
+                    <a:lumMod val="75000"/>
+                    <a:lumOff val="25000"/>
+                  </a:schemeClr>
+                </a:solidFill>
+              </a:rPr>
+              <a:t>loan_amnt</a:t>
+            </a:r>
+            <a:r>
+              <a:rPr lang="en-US" sz="1600" dirty="0">
+                <a:solidFill>
+                  <a:schemeClr val="tx1">
+                    <a:lumMod val="75000"/>
+                    <a:lumOff val="25000"/>
+                  </a:schemeClr>
+                </a:solidFill>
+              </a:rPr>
+              <a:t> – </a:t>
+            </a:r>
+            <a:r>
+              <a:rPr lang="en-US" sz="1600" dirty="0" err="1">
+                <a:solidFill>
+                  <a:schemeClr val="tx1">
+                    <a:lumMod val="75000"/>
+                    <a:lumOff val="25000"/>
+                  </a:schemeClr>
+                </a:solidFill>
+              </a:rPr>
+              <a:t>Quantidade</a:t>
+            </a:r>
+            <a:r>
+              <a:rPr lang="en-US" sz="1600" dirty="0">
+                <a:solidFill>
+                  <a:schemeClr val="tx1">
+                    <a:lumMod val="75000"/>
+                    <a:lumOff val="25000"/>
+                  </a:schemeClr>
+                </a:solidFill>
+              </a:rPr>
+              <a:t> de </a:t>
+            </a:r>
+            <a:r>
+              <a:rPr lang="en-US" sz="1600" dirty="0" err="1">
+                <a:solidFill>
+                  <a:schemeClr val="tx1">
+                    <a:lumMod val="75000"/>
+                    <a:lumOff val="25000"/>
+                  </a:schemeClr>
+                </a:solidFill>
+              </a:rPr>
+              <a:t>dinheiro</a:t>
+            </a:r>
+            <a:r>
+              <a:rPr lang="en-US" sz="1600" dirty="0">
                 <a:solidFill>
                   <a:schemeClr val="tx1">
                     <a:lumMod val="75000"/>
@@ -5240,18 +4983,18 @@
               <a:t> </a:t>
             </a:r>
             <a:r>
-              <a:rPr lang="en-US" sz="1600" b="1" dirty="0" err="1">
-                <a:solidFill>
-                  <a:schemeClr val="tx1">
-                    <a:lumMod val="75000"/>
-                    <a:lumOff val="25000"/>
-                  </a:schemeClr>
-                </a:solidFill>
-              </a:rPr>
-              <a:t>annual_inc</a:t>
-            </a:r>
-            <a:r>
-              <a:rPr lang="en-US" sz="1600" b="1" dirty="0">
+              <a:rPr lang="en-US" sz="1600" dirty="0" err="1">
+                <a:solidFill>
+                  <a:schemeClr val="tx1">
+                    <a:lumMod val="75000"/>
+                    <a:lumOff val="25000"/>
+                  </a:schemeClr>
+                </a:solidFill>
+              </a:rPr>
+              <a:t>solicitada</a:t>
+            </a:r>
+            <a:r>
+              <a:rPr lang="en-US" sz="1600" dirty="0">
                 <a:solidFill>
                   <a:schemeClr val="tx1">
                     <a:lumMod val="75000"/>
@@ -5262,6 +5005,17 @@
               <a:t> </a:t>
             </a:r>
             <a:r>
+              <a:rPr lang="en-US" sz="1600" dirty="0" err="1">
+                <a:solidFill>
+                  <a:schemeClr val="tx1">
+                    <a:lumMod val="75000"/>
+                    <a:lumOff val="25000"/>
+                  </a:schemeClr>
+                </a:solidFill>
+              </a:rPr>
+              <a:t>pelo</a:t>
+            </a:r>
+            <a:r>
               <a:rPr lang="en-US" sz="1600" dirty="0">
                 <a:solidFill>
                   <a:schemeClr val="tx1">
@@ -5270,24 +5024,46 @@
                   </a:schemeClr>
                 </a:solidFill>
               </a:rPr>
-              <a:t>- Borrowers annual income.</a:t>
-            </a:r>
-          </a:p>
-          <a:p>
-            <a:pPr algn="just">
+              <a:t> </a:t>
+            </a:r>
+            <a:r>
+              <a:rPr lang="en-US" sz="1600" dirty="0" err="1">
+                <a:solidFill>
+                  <a:schemeClr val="tx1">
+                    <a:lumMod val="75000"/>
+                    <a:lumOff val="25000"/>
+                  </a:schemeClr>
+                </a:solidFill>
+              </a:rPr>
+              <a:t>cliente</a:t>
+            </a:r>
+            <a:r>
+              <a:rPr lang="en-US" sz="1600" dirty="0">
+                <a:solidFill>
+                  <a:schemeClr val="tx1">
+                    <a:lumMod val="75000"/>
+                    <a:lumOff val="25000"/>
+                  </a:schemeClr>
+                </a:solidFill>
+              </a:rPr>
+              <a:t>.</a:t>
+            </a:r>
+          </a:p>
+          <a:p>
+            <a:pPr marL="285750" indent="-285750">
               <a:buFont typeface="Wingdings" panose="05000000000000000000" pitchFamily="2" charset="2"/>
               <a:buChar char="Ø"/>
             </a:pPr>
             <a:r>
-              <a:rPr lang="en-US" sz="1600" b="1" dirty="0">
-                <a:solidFill>
-                  <a:schemeClr val="tx1">
-                    <a:lumMod val="75000"/>
-                    <a:lumOff val="25000"/>
-                  </a:schemeClr>
-                </a:solidFill>
-              </a:rPr>
-              <a:t> purpose</a:t>
+              <a:rPr lang="en-US" sz="1600" b="1" dirty="0" err="1">
+                <a:solidFill>
+                  <a:schemeClr val="tx1">
+                    <a:lumMod val="75000"/>
+                    <a:lumOff val="25000"/>
+                  </a:schemeClr>
+                </a:solidFill>
+              </a:rPr>
+              <a:t>int_rate</a:t>
             </a:r>
             <a:r>
               <a:rPr lang="en-US" sz="1600" dirty="0">
@@ -5298,11 +5074,55 @@
                   </a:schemeClr>
                 </a:solidFill>
               </a:rPr>
-              <a:t> - The primary purpose of borrowing.</a:t>
-            </a:r>
-          </a:p>
-          <a:p>
-            <a:pPr algn="just">
+              <a:t> – Taxa de </a:t>
+            </a:r>
+            <a:r>
+              <a:rPr lang="en-US" sz="1600" dirty="0" err="1">
+                <a:solidFill>
+                  <a:schemeClr val="tx1">
+                    <a:lumMod val="75000"/>
+                    <a:lumOff val="25000"/>
+                  </a:schemeClr>
+                </a:solidFill>
+              </a:rPr>
+              <a:t>juros</a:t>
+            </a:r>
+            <a:r>
+              <a:rPr lang="en-US" sz="1600" dirty="0">
+                <a:solidFill>
+                  <a:schemeClr val="tx1">
+                    <a:lumMod val="75000"/>
+                    <a:lumOff val="25000"/>
+                  </a:schemeClr>
+                </a:solidFill>
+              </a:rPr>
+              <a:t> do </a:t>
+            </a:r>
+            <a:r>
+              <a:rPr lang="en-US" sz="1600" dirty="0" err="1">
+                <a:solidFill>
+                  <a:schemeClr val="tx1">
+                    <a:lumMod val="75000"/>
+                    <a:lumOff val="25000"/>
+                  </a:schemeClr>
+                </a:solidFill>
+              </a:rPr>
+              <a:t>empréstimo</a:t>
+            </a:r>
+            <a:r>
+              <a:rPr lang="en-US" sz="1600" dirty="0">
+                <a:solidFill>
+                  <a:schemeClr val="tx1">
+                    <a:lumMod val="75000"/>
+                    <a:lumOff val="25000"/>
+                  </a:schemeClr>
+                </a:solidFill>
+              </a:rPr>
+              <a:t>.</a:t>
+            </a:r>
+          </a:p>
+          <a:p>
+            <a:pPr marL="285750" indent="-285750">
               <a:buFont typeface="Wingdings" panose="05000000000000000000" pitchFamily="2" charset="2"/>
               <a:buChar char="Ø"/>
             </a:pPr>
@@ -5315,7 +5135,7 @@
                   </a:schemeClr>
                 </a:solidFill>
               </a:rPr>
-              <a:t> installments</a:t>
+              <a:t>grade</a:t>
             </a:r>
             <a:r>
               <a:rPr lang="en-US" sz="1600" dirty="0">
@@ -5326,15 +5146,350 @@
                   </a:schemeClr>
                 </a:solidFill>
               </a:rPr>
-              <a:t> – Monthly amount payments for opted loan.</a:t>
-            </a:r>
-          </a:p>
-          <a:p>
-            <a:pPr algn="just">
+              <a:t> – Grau do </a:t>
+            </a:r>
+            <a:r>
+              <a:rPr lang="en-US" sz="1600" dirty="0" err="1">
+                <a:solidFill>
+                  <a:schemeClr val="tx1">
+                    <a:lumMod val="75000"/>
+                    <a:lumOff val="25000"/>
+                  </a:schemeClr>
+                </a:solidFill>
+              </a:rPr>
+              <a:t>empréstimo</a:t>
+            </a:r>
+            <a:r>
+              <a:rPr lang="en-US" sz="1600" dirty="0">
+                <a:solidFill>
+                  <a:schemeClr val="tx1">
+                    <a:lumMod val="75000"/>
+                    <a:lumOff val="25000"/>
+                  </a:schemeClr>
+                </a:solidFill>
+              </a:rPr>
+              <a:t>, </a:t>
+            </a:r>
+            <a:r>
+              <a:rPr lang="en-US" sz="1600" dirty="0" err="1">
+                <a:solidFill>
+                  <a:schemeClr val="tx1">
+                    <a:lumMod val="75000"/>
+                    <a:lumOff val="25000"/>
+                  </a:schemeClr>
+                </a:solidFill>
+              </a:rPr>
+              <a:t>comvalores</a:t>
+            </a:r>
+            <a:r>
+              <a:rPr lang="en-US" sz="1600" dirty="0">
+                <a:solidFill>
+                  <a:schemeClr val="tx1">
+                    <a:lumMod val="75000"/>
+                    <a:lumOff val="25000"/>
+                  </a:schemeClr>
+                </a:solidFill>
+              </a:rPr>
+              <a:t> A, B, C, D, E, F, G. </a:t>
+            </a:r>
+            <a:r>
+              <a:rPr lang="en-US" sz="1600" dirty="0" err="1">
+                <a:solidFill>
+                  <a:schemeClr val="tx1">
+                    <a:lumMod val="75000"/>
+                    <a:lumOff val="25000"/>
+                  </a:schemeClr>
+                </a:solidFill>
+              </a:rPr>
+              <a:t>Quanto</a:t>
+            </a:r>
+            <a:r>
+              <a:rPr lang="en-US" sz="1600" dirty="0">
+                <a:solidFill>
+                  <a:schemeClr val="tx1">
+                    <a:lumMod val="75000"/>
+                    <a:lumOff val="25000"/>
+                  </a:schemeClr>
+                </a:solidFill>
+              </a:rPr>
+              <a:t> </a:t>
+            </a:r>
+            <a:r>
+              <a:rPr lang="en-US" sz="1600" dirty="0" err="1">
+                <a:solidFill>
+                  <a:schemeClr val="tx1">
+                    <a:lumMod val="75000"/>
+                    <a:lumOff val="25000"/>
+                  </a:schemeClr>
+                </a:solidFill>
+              </a:rPr>
+              <a:t>mais</a:t>
+            </a:r>
+            <a:r>
+              <a:rPr lang="en-US" sz="1600" dirty="0">
+                <a:solidFill>
+                  <a:schemeClr val="tx1">
+                    <a:lumMod val="75000"/>
+                    <a:lumOff val="25000"/>
+                  </a:schemeClr>
+                </a:solidFill>
+              </a:rPr>
+              <a:t> </a:t>
+            </a:r>
+            <a:r>
+              <a:rPr lang="en-US" sz="1600" dirty="0" err="1">
+                <a:solidFill>
+                  <a:schemeClr val="tx1">
+                    <a:lumMod val="75000"/>
+                    <a:lumOff val="25000"/>
+                  </a:schemeClr>
+                </a:solidFill>
+              </a:rPr>
+              <a:t>próximo</a:t>
+            </a:r>
+            <a:r>
+              <a:rPr lang="en-US" sz="1600" dirty="0">
+                <a:solidFill>
+                  <a:schemeClr val="tx1">
+                    <a:lumMod val="75000"/>
+                    <a:lumOff val="25000"/>
+                  </a:schemeClr>
+                </a:solidFill>
+              </a:rPr>
+              <a:t> de A for o </a:t>
+            </a:r>
+            <a:r>
+              <a:rPr lang="en-US" sz="1600" dirty="0" err="1">
+                <a:solidFill>
+                  <a:schemeClr val="tx1">
+                    <a:lumMod val="75000"/>
+                    <a:lumOff val="25000"/>
+                  </a:schemeClr>
+                </a:solidFill>
+              </a:rPr>
+              <a:t>grau</a:t>
+            </a:r>
+            <a:r>
+              <a:rPr lang="en-US" sz="1600" dirty="0">
+                <a:solidFill>
+                  <a:schemeClr val="tx1">
+                    <a:lumMod val="75000"/>
+                    <a:lumOff val="25000"/>
+                  </a:schemeClr>
+                </a:solidFill>
+              </a:rPr>
+              <a:t> do </a:t>
+            </a:r>
+            <a:r>
+              <a:rPr lang="en-US" sz="1600" dirty="0" err="1">
+                <a:solidFill>
+                  <a:schemeClr val="tx1">
+                    <a:lumMod val="75000"/>
+                    <a:lumOff val="25000"/>
+                  </a:schemeClr>
+                </a:solidFill>
+              </a:rPr>
+              <a:t>empréstimo</a:t>
+            </a:r>
+            <a:r>
+              <a:rPr lang="en-US" sz="1600" dirty="0">
+                <a:solidFill>
+                  <a:schemeClr val="tx1">
+                    <a:lumMod val="75000"/>
+                    <a:lumOff val="25000"/>
+                  </a:schemeClr>
+                </a:solidFill>
+              </a:rPr>
+              <a:t>, </a:t>
+            </a:r>
+            <a:r>
+              <a:rPr lang="en-US" sz="1600" dirty="0" err="1">
+                <a:solidFill>
+                  <a:schemeClr val="tx1">
+                    <a:lumMod val="75000"/>
+                    <a:lumOff val="25000"/>
+                  </a:schemeClr>
+                </a:solidFill>
+              </a:rPr>
+              <a:t>menor</a:t>
+            </a:r>
+            <a:r>
+              <a:rPr lang="en-US" sz="1600" dirty="0">
+                <a:solidFill>
+                  <a:schemeClr val="tx1">
+                    <a:lumMod val="75000"/>
+                    <a:lumOff val="25000"/>
+                  </a:schemeClr>
+                </a:solidFill>
+              </a:rPr>
+              <a:t> </a:t>
+            </a:r>
+            <a:r>
+              <a:rPr lang="en-US" sz="1600" dirty="0" err="1">
+                <a:solidFill>
+                  <a:schemeClr val="tx1">
+                    <a:lumMod val="75000"/>
+                    <a:lumOff val="25000"/>
+                  </a:schemeClr>
+                </a:solidFill>
+              </a:rPr>
+              <a:t>será</a:t>
+            </a:r>
+            <a:r>
+              <a:rPr lang="en-US" sz="1600" dirty="0">
+                <a:solidFill>
+                  <a:schemeClr val="tx1">
+                    <a:lumMod val="75000"/>
+                    <a:lumOff val="25000"/>
+                  </a:schemeClr>
+                </a:solidFill>
+              </a:rPr>
+              <a:t> o </a:t>
+            </a:r>
+            <a:r>
+              <a:rPr lang="en-US" sz="1600" dirty="0" err="1">
+                <a:solidFill>
+                  <a:schemeClr val="tx1">
+                    <a:lumMod val="75000"/>
+                    <a:lumOff val="25000"/>
+                  </a:schemeClr>
+                </a:solidFill>
+              </a:rPr>
+              <a:t>risco</a:t>
+            </a:r>
+            <a:r>
+              <a:rPr lang="en-US" sz="1600" dirty="0">
+                <a:solidFill>
+                  <a:schemeClr val="tx1">
+                    <a:lumMod val="75000"/>
+                    <a:lumOff val="25000"/>
+                  </a:schemeClr>
+                </a:solidFill>
+              </a:rPr>
+              <a:t> </a:t>
+            </a:r>
+            <a:r>
+              <a:rPr lang="en-US" sz="1600" dirty="0" err="1">
+                <a:solidFill>
+                  <a:schemeClr val="tx1">
+                    <a:lumMod val="75000"/>
+                    <a:lumOff val="25000"/>
+                  </a:schemeClr>
+                </a:solidFill>
+              </a:rPr>
+              <a:t>deste</a:t>
+            </a:r>
+            <a:r>
+              <a:rPr lang="en-US" sz="1600" dirty="0">
+                <a:solidFill>
+                  <a:schemeClr val="tx1">
+                    <a:lumMod val="75000"/>
+                    <a:lumOff val="25000"/>
+                  </a:schemeClr>
+                </a:solidFill>
+              </a:rPr>
+              <a:t> </a:t>
+            </a:r>
+            <a:r>
+              <a:rPr lang="en-US" sz="1600" dirty="0" err="1">
+                <a:solidFill>
+                  <a:schemeClr val="tx1">
+                    <a:lumMod val="75000"/>
+                    <a:lumOff val="25000"/>
+                  </a:schemeClr>
+                </a:solidFill>
+              </a:rPr>
+              <a:t>não</a:t>
+            </a:r>
+            <a:r>
+              <a:rPr lang="en-US" sz="1600" dirty="0">
+                <a:solidFill>
+                  <a:schemeClr val="tx1">
+                    <a:lumMod val="75000"/>
+                    <a:lumOff val="25000"/>
+                  </a:schemeClr>
+                </a:solidFill>
+              </a:rPr>
+              <a:t> ser </a:t>
+            </a:r>
+            <a:r>
+              <a:rPr lang="en-US" sz="1600" dirty="0" err="1">
+                <a:solidFill>
+                  <a:schemeClr val="tx1">
+                    <a:lumMod val="75000"/>
+                    <a:lumOff val="25000"/>
+                  </a:schemeClr>
+                </a:solidFill>
+              </a:rPr>
+              <a:t>pago</a:t>
+            </a:r>
+            <a:r>
+              <a:rPr lang="en-US" sz="1600" dirty="0">
+                <a:solidFill>
+                  <a:schemeClr val="tx1">
+                    <a:lumMod val="75000"/>
+                    <a:lumOff val="25000"/>
+                  </a:schemeClr>
+                </a:solidFill>
+              </a:rPr>
+              <a:t>.</a:t>
+            </a:r>
+            <a:endParaRPr lang="en-US" sz="1600" b="1" dirty="0">
+              <a:solidFill>
+                <a:schemeClr val="tx1">
+                  <a:lumMod val="75000"/>
+                  <a:lumOff val="25000"/>
+                </a:schemeClr>
+              </a:solidFill>
+            </a:endParaRPr>
+          </a:p>
+          <a:p>
+            <a:endParaRPr lang="en-US" sz="1600" b="1" dirty="0">
+              <a:solidFill>
+                <a:schemeClr val="tx1">
+                  <a:lumMod val="75000"/>
+                  <a:lumOff val="25000"/>
+                </a:schemeClr>
+              </a:solidFill>
+            </a:endParaRPr>
+          </a:p>
+          <a:p>
+            <a:endParaRPr lang="en-US" sz="1600" b="1" dirty="0">
+              <a:solidFill>
+                <a:schemeClr val="tx1">
+                  <a:lumMod val="75000"/>
+                  <a:lumOff val="25000"/>
+                </a:schemeClr>
+              </a:solidFill>
+            </a:endParaRPr>
+          </a:p>
+          <a:p>
+            <a:endParaRPr lang="en-US" sz="1600" b="1" dirty="0">
+              <a:solidFill>
+                <a:schemeClr val="tx1">
+                  <a:lumMod val="75000"/>
+                  <a:lumOff val="25000"/>
+                </a:schemeClr>
+              </a:solidFill>
+            </a:endParaRPr>
+          </a:p>
+          <a:p>
+            <a:pPr marL="742950" lvl="1" indent="-285750">
               <a:buFont typeface="Wingdings" panose="05000000000000000000" pitchFamily="2" charset="2"/>
               <a:buChar char="Ø"/>
             </a:pPr>
             <a:r>
+              <a:rPr lang="en-US" sz="1600" b="1" dirty="0" err="1">
+                <a:solidFill>
+                  <a:schemeClr val="tx1">
+                    <a:lumMod val="75000"/>
+                    <a:lumOff val="25000"/>
+                  </a:schemeClr>
+                </a:solidFill>
+              </a:rPr>
+              <a:t>annual_inc</a:t>
+            </a:r>
+            <a:r>
               <a:rPr lang="en-US" sz="1600" b="1" dirty="0">
                 <a:solidFill>
                   <a:schemeClr val="tx1">
@@ -5343,7 +5498,7 @@
                   </a:schemeClr>
                 </a:solidFill>
               </a:rPr>
-              <a:t> term</a:t>
+              <a:t> </a:t>
             </a:r>
             <a:r>
               <a:rPr lang="en-US" sz="1600" dirty="0">
@@ -5354,7 +5509,363 @@
                   </a:schemeClr>
                 </a:solidFill>
               </a:rPr>
-              <a:t> – duration of the loan until it’s paid off</a:t>
+              <a:t>– </a:t>
+            </a:r>
+            <a:r>
+              <a:rPr lang="en-US" sz="1600" dirty="0" err="1">
+                <a:solidFill>
+                  <a:schemeClr val="tx1">
+                    <a:lumMod val="75000"/>
+                    <a:lumOff val="25000"/>
+                  </a:schemeClr>
+                </a:solidFill>
+              </a:rPr>
+              <a:t>Rendimento</a:t>
+            </a:r>
+            <a:r>
+              <a:rPr lang="en-US" sz="1600" dirty="0">
+                <a:solidFill>
+                  <a:schemeClr val="tx1">
+                    <a:lumMod val="75000"/>
+                    <a:lumOff val="25000"/>
+                  </a:schemeClr>
+                </a:solidFill>
+              </a:rPr>
+              <a:t> annual.</a:t>
+            </a:r>
+            <a:endParaRPr lang="en-US" sz="1600" b="1" dirty="0">
+              <a:solidFill>
+                <a:schemeClr val="tx1">
+                  <a:lumMod val="75000"/>
+                  <a:lumOff val="25000"/>
+                </a:schemeClr>
+              </a:solidFill>
+            </a:endParaRPr>
+          </a:p>
+          <a:p>
+            <a:pPr marL="742950" lvl="1" indent="-285750">
+              <a:buFont typeface="Wingdings" panose="05000000000000000000" pitchFamily="2" charset="2"/>
+              <a:buChar char="Ø"/>
+            </a:pPr>
+            <a:r>
+              <a:rPr lang="en-US" sz="1600" b="1" dirty="0">
+                <a:solidFill>
+                  <a:schemeClr val="tx1">
+                    <a:lumMod val="75000"/>
+                    <a:lumOff val="25000"/>
+                  </a:schemeClr>
+                </a:solidFill>
+              </a:rPr>
+              <a:t>purpose</a:t>
+            </a:r>
+            <a:r>
+              <a:rPr lang="en-US" sz="1600" dirty="0">
+                <a:solidFill>
+                  <a:schemeClr val="tx1">
+                    <a:lumMod val="75000"/>
+                    <a:lumOff val="25000"/>
+                  </a:schemeClr>
+                </a:solidFill>
+              </a:rPr>
+              <a:t> – </a:t>
+            </a:r>
+            <a:r>
+              <a:rPr lang="en-US" sz="1600" dirty="0" err="1">
+                <a:solidFill>
+                  <a:schemeClr val="tx1">
+                    <a:lumMod val="75000"/>
+                    <a:lumOff val="25000"/>
+                  </a:schemeClr>
+                </a:solidFill>
+              </a:rPr>
+              <a:t>Motivo</a:t>
+            </a:r>
+            <a:r>
+              <a:rPr lang="en-US" sz="1600" dirty="0">
+                <a:solidFill>
+                  <a:schemeClr val="tx1">
+                    <a:lumMod val="75000"/>
+                    <a:lumOff val="25000"/>
+                  </a:schemeClr>
+                </a:solidFill>
+              </a:rPr>
+              <a:t> principal para o </a:t>
+            </a:r>
+            <a:r>
+              <a:rPr lang="en-US" sz="1600" dirty="0" err="1">
+                <a:solidFill>
+                  <a:schemeClr val="tx1">
+                    <a:lumMod val="75000"/>
+                    <a:lumOff val="25000"/>
+                  </a:schemeClr>
+                </a:solidFill>
+              </a:rPr>
+              <a:t>pedido</a:t>
+            </a:r>
+            <a:r>
+              <a:rPr lang="en-US" sz="1600" dirty="0">
+                <a:solidFill>
+                  <a:schemeClr val="tx1">
+                    <a:lumMod val="75000"/>
+                    <a:lumOff val="25000"/>
+                  </a:schemeClr>
+                </a:solidFill>
+              </a:rPr>
+              <a:t> de </a:t>
+            </a:r>
+            <a:r>
+              <a:rPr lang="en-US" sz="1600" dirty="0" err="1">
+                <a:solidFill>
+                  <a:schemeClr val="tx1">
+                    <a:lumMod val="75000"/>
+                    <a:lumOff val="25000"/>
+                  </a:schemeClr>
+                </a:solidFill>
+              </a:rPr>
+              <a:t>empréstimo</a:t>
+            </a:r>
+            <a:r>
+              <a:rPr lang="en-US" sz="1600" dirty="0">
+                <a:solidFill>
+                  <a:schemeClr val="tx1">
+                    <a:lumMod val="75000"/>
+                    <a:lumOff val="25000"/>
+                  </a:schemeClr>
+                </a:solidFill>
+              </a:rPr>
+              <a:t>.</a:t>
+            </a:r>
+          </a:p>
+          <a:p>
+            <a:pPr marL="742950" lvl="1" indent="-285750">
+              <a:buFont typeface="Wingdings" panose="05000000000000000000" pitchFamily="2" charset="2"/>
+              <a:buChar char="Ø"/>
+            </a:pPr>
+            <a:r>
+              <a:rPr lang="en-US" sz="1600" b="1" dirty="0">
+                <a:solidFill>
+                  <a:schemeClr val="tx1">
+                    <a:lumMod val="75000"/>
+                    <a:lumOff val="25000"/>
+                  </a:schemeClr>
+                </a:solidFill>
+              </a:rPr>
+              <a:t>installments</a:t>
+            </a:r>
+            <a:r>
+              <a:rPr lang="en-US" sz="1600" dirty="0">
+                <a:solidFill>
+                  <a:schemeClr val="tx1">
+                    <a:lumMod val="75000"/>
+                    <a:lumOff val="25000"/>
+                  </a:schemeClr>
+                </a:solidFill>
+              </a:rPr>
+              <a:t> – Valor </a:t>
+            </a:r>
+            <a:r>
+              <a:rPr lang="en-US" sz="1600" dirty="0" err="1">
+                <a:solidFill>
+                  <a:schemeClr val="tx1">
+                    <a:lumMod val="75000"/>
+                    <a:lumOff val="25000"/>
+                  </a:schemeClr>
+                </a:solidFill>
+              </a:rPr>
+              <a:t>pago</a:t>
+            </a:r>
+            <a:r>
+              <a:rPr lang="en-US" sz="1600" dirty="0">
+                <a:solidFill>
+                  <a:schemeClr val="tx1">
+                    <a:lumMod val="75000"/>
+                    <a:lumOff val="25000"/>
+                  </a:schemeClr>
+                </a:solidFill>
+              </a:rPr>
+              <a:t> por </a:t>
+            </a:r>
+            <a:r>
+              <a:rPr lang="en-US" sz="1600" dirty="0" err="1">
+                <a:solidFill>
+                  <a:schemeClr val="tx1">
+                    <a:lumMod val="75000"/>
+                    <a:lumOff val="25000"/>
+                  </a:schemeClr>
+                </a:solidFill>
+              </a:rPr>
+              <a:t>mês</a:t>
+            </a:r>
+            <a:r>
+              <a:rPr lang="en-US" sz="1600" dirty="0">
+                <a:solidFill>
+                  <a:schemeClr val="tx1">
+                    <a:lumMod val="75000"/>
+                    <a:lumOff val="25000"/>
+                  </a:schemeClr>
+                </a:solidFill>
+              </a:rPr>
+              <a:t> </a:t>
+            </a:r>
+            <a:r>
+              <a:rPr lang="en-US" sz="1600" dirty="0" err="1">
+                <a:solidFill>
+                  <a:schemeClr val="tx1">
+                    <a:lumMod val="75000"/>
+                    <a:lumOff val="25000"/>
+                  </a:schemeClr>
+                </a:solidFill>
+              </a:rPr>
+              <a:t>pelo</a:t>
+            </a:r>
+            <a:r>
+              <a:rPr lang="en-US" sz="1600" dirty="0">
+                <a:solidFill>
+                  <a:schemeClr val="tx1">
+                    <a:lumMod val="75000"/>
+                    <a:lumOff val="25000"/>
+                  </a:schemeClr>
+                </a:solidFill>
+              </a:rPr>
+              <a:t> </a:t>
+            </a:r>
+            <a:r>
+              <a:rPr lang="en-US" sz="1600" dirty="0" err="1">
+                <a:solidFill>
+                  <a:schemeClr val="tx1">
+                    <a:lumMod val="75000"/>
+                    <a:lumOff val="25000"/>
+                  </a:schemeClr>
+                </a:solidFill>
+              </a:rPr>
+              <a:t>empréstimo</a:t>
+            </a:r>
+            <a:r>
+              <a:rPr lang="en-US" sz="1600" dirty="0">
+                <a:solidFill>
+                  <a:schemeClr val="tx1">
+                    <a:lumMod val="75000"/>
+                    <a:lumOff val="25000"/>
+                  </a:schemeClr>
+                </a:solidFill>
+              </a:rPr>
+              <a:t>.</a:t>
+            </a:r>
+          </a:p>
+          <a:p>
+            <a:pPr marL="742950" lvl="1" indent="-285750">
+              <a:buFont typeface="Wingdings" panose="05000000000000000000" pitchFamily="2" charset="2"/>
+              <a:buChar char="Ø"/>
+            </a:pPr>
+            <a:r>
+              <a:rPr lang="en-US" sz="1600" b="1" dirty="0">
+                <a:solidFill>
+                  <a:schemeClr val="tx1">
+                    <a:lumMod val="75000"/>
+                    <a:lumOff val="25000"/>
+                  </a:schemeClr>
+                </a:solidFill>
+              </a:rPr>
+              <a:t>term</a:t>
+            </a:r>
+            <a:r>
+              <a:rPr lang="en-US" sz="1600" dirty="0">
+                <a:solidFill>
+                  <a:schemeClr val="tx1">
+                    <a:lumMod val="75000"/>
+                    <a:lumOff val="25000"/>
+                  </a:schemeClr>
+                </a:solidFill>
+              </a:rPr>
+              <a:t> – tempo </a:t>
+            </a:r>
+            <a:r>
+              <a:rPr lang="en-US" sz="1600" dirty="0" err="1">
+                <a:solidFill>
+                  <a:schemeClr val="tx1">
+                    <a:lumMod val="75000"/>
+                    <a:lumOff val="25000"/>
+                  </a:schemeClr>
+                </a:solidFill>
+              </a:rPr>
+              <a:t>até</a:t>
+            </a:r>
+            <a:r>
+              <a:rPr lang="en-US" sz="1600" dirty="0">
+                <a:solidFill>
+                  <a:schemeClr val="tx1">
+                    <a:lumMod val="75000"/>
+                    <a:lumOff val="25000"/>
+                  </a:schemeClr>
+                </a:solidFill>
+              </a:rPr>
+              <a:t> o </a:t>
+            </a:r>
+            <a:r>
+              <a:rPr lang="en-US" sz="1600" dirty="0" err="1">
+                <a:solidFill>
+                  <a:schemeClr val="tx1">
+                    <a:lumMod val="75000"/>
+                    <a:lumOff val="25000"/>
+                  </a:schemeClr>
+                </a:solidFill>
+              </a:rPr>
+              <a:t>empréstimo</a:t>
+            </a:r>
+            <a:r>
+              <a:rPr lang="en-US" sz="1600" dirty="0">
+                <a:solidFill>
+                  <a:schemeClr val="tx1">
+                    <a:lumMod val="75000"/>
+                    <a:lumOff val="25000"/>
+                  </a:schemeClr>
+                </a:solidFill>
+              </a:rPr>
+              <a:t> </a:t>
+            </a:r>
+            <a:r>
+              <a:rPr lang="en-US" sz="1600" dirty="0" err="1">
+                <a:solidFill>
+                  <a:schemeClr val="tx1">
+                    <a:lumMod val="75000"/>
+                    <a:lumOff val="25000"/>
+                  </a:schemeClr>
+                </a:solidFill>
+              </a:rPr>
+              <a:t>estar</a:t>
+            </a:r>
+            <a:r>
+              <a:rPr lang="en-US" sz="1600" dirty="0">
+                <a:solidFill>
+                  <a:schemeClr val="tx1">
+                    <a:lumMod val="75000"/>
+                    <a:lumOff val="25000"/>
+                  </a:schemeClr>
+                </a:solidFill>
+              </a:rPr>
+              <a:t> </a:t>
+            </a:r>
+            <a:r>
+              <a:rPr lang="en-US" sz="1600" dirty="0" err="1">
+                <a:solidFill>
+                  <a:schemeClr val="tx1">
+                    <a:lumMod val="75000"/>
+                    <a:lumOff val="25000"/>
+                  </a:schemeClr>
+                </a:solidFill>
+              </a:rPr>
+              <a:t>pago</a:t>
+            </a:r>
+            <a:r>
+              <a:rPr lang="en-US" sz="1600" dirty="0">
+                <a:solidFill>
+                  <a:schemeClr val="tx1">
+                    <a:lumMod val="75000"/>
+                    <a:lumOff val="25000"/>
+                  </a:schemeClr>
+                </a:solidFill>
+              </a:rPr>
+              <a:t>.</a:t>
             </a:r>
             <a:endParaRPr lang="pt-PT" sz="1600" dirty="0">
               <a:solidFill>
@@ -5366,16 +5877,24 @@
             </a:endParaRPr>
           </a:p>
           <a:p>
-            <a:endParaRPr lang="en-US" dirty="0"/>
-          </a:p>
-        </p:txBody>
-      </p:sp>
-      <p:sp>
-        <p:nvSpPr>
-          <p:cNvPr id="17" name="CaixaDeTexto 16">
+            <a:pPr lvl="1"/>
+            <a:endParaRPr lang="en-US" sz="1600" dirty="0">
+              <a:solidFill>
+                <a:schemeClr val="tx1">
+                  <a:lumMod val="75000"/>
+                  <a:lumOff val="25000"/>
+                </a:schemeClr>
+              </a:solidFill>
+            </a:endParaRPr>
+          </a:p>
+        </p:txBody>
+      </p:sp>
+      <p:sp>
+        <p:nvSpPr>
+          <p:cNvPr id="7" name="CaixaDeTexto 6">
             <a:extLst>
               <a:ext uri="{FF2B5EF4-FFF2-40B4-BE49-F238E27FC236}">
-                <a16:creationId xmlns:a16="http://schemas.microsoft.com/office/drawing/2014/main" id="{12955341-F59E-40C5-A42B-AA15B80F0EFB}"/>
+                <a16:creationId xmlns:a16="http://schemas.microsoft.com/office/drawing/2014/main" id="{3D82DD41-221A-418B-A871-A5CD81797FFD}"/>
               </a:ext>
             </a:extLst>
           </p:cNvPr>
@@ -5384,8 +5903,8 @@
         </p:nvSpPr>
         <p:spPr>
           <a:xfrm>
-            <a:off x="1097280" y="2536893"/>
-            <a:ext cx="5928774" cy="1107996"/>
+            <a:off x="1160585" y="4980843"/>
+            <a:ext cx="9995095" cy="905607"/>
           </a:xfrm>
           <a:prstGeom prst="rect">
             <a:avLst/>
@@ -5398,120 +5917,85 @@
           </a:bodyPr>
           <a:lstStyle/>
           <a:p>
-            <a:pPr algn="just">
-              <a:buFont typeface="Wingdings" panose="05000000000000000000" pitchFamily="2" charset="2"/>
-              <a:buChar char="Ø"/>
+            <a:endParaRPr lang="pt-PT" dirty="0"/>
+          </a:p>
+        </p:txBody>
+      </p:sp>
+      <p:sp>
+        <p:nvSpPr>
+          <p:cNvPr id="8" name="CaixaDeTexto 7">
+            <a:extLst>
+              <a:ext uri="{FF2B5EF4-FFF2-40B4-BE49-F238E27FC236}">
+                <a16:creationId xmlns:a16="http://schemas.microsoft.com/office/drawing/2014/main" id="{B713C83B-B244-417F-8D9F-615576C16474}"/>
+              </a:ext>
+            </a:extLst>
+          </p:cNvPr>
+          <p:cNvSpPr txBox="1"/>
+          <p:nvPr/>
+        </p:nvSpPr>
+        <p:spPr>
+          <a:xfrm>
+            <a:off x="1097280" y="4915851"/>
+            <a:ext cx="9933549" cy="838178"/>
+          </a:xfrm>
+          <a:prstGeom prst="rect">
+            <a:avLst/>
+          </a:prstGeom>
+          <a:noFill/>
+        </p:spPr>
+        <p:txBody>
+          <a:bodyPr wrap="square" rtlCol="0">
+            <a:spAutoFit/>
+          </a:bodyPr>
+          <a:lstStyle/>
+          <a:p>
+            <a:pPr marR="0" lvl="0" algn="just" defTabSz="914400" rtl="0" eaLnBrk="1" fontAlgn="auto" latinLnBrk="0" hangingPunct="1">
+              <a:lnSpc>
+                <a:spcPct val="90000"/>
+              </a:lnSpc>
+              <a:spcBef>
+                <a:spcPts val="1200"/>
+              </a:spcBef>
+              <a:spcAft>
+                <a:spcPts val="200"/>
+              </a:spcAft>
+              <a:buClr>
+                <a:srgbClr val="1CADE4"/>
+              </a:buClr>
+              <a:buSzPct val="100000"/>
+              <a:tabLst/>
+              <a:defRPr/>
             </a:pPr>
             <a:r>
-              <a:rPr lang="en-US" sz="1600" b="1" dirty="0">
-                <a:solidFill>
-                  <a:schemeClr val="tx1">
-                    <a:lumMod val="75000"/>
-                    <a:lumOff val="25000"/>
-                  </a:schemeClr>
-                </a:solidFill>
-              </a:rPr>
-              <a:t> </a:t>
-            </a:r>
-            <a:r>
-              <a:rPr lang="en-US" sz="1600" b="1" dirty="0" err="1">
-                <a:solidFill>
-                  <a:schemeClr val="tx1">
-                    <a:lumMod val="75000"/>
-                    <a:lumOff val="25000"/>
-                  </a:schemeClr>
-                </a:solidFill>
-              </a:rPr>
-              <a:t>loanamnt</a:t>
-            </a:r>
-            <a:r>
-              <a:rPr lang="en-US" sz="1600" dirty="0">
-                <a:solidFill>
-                  <a:schemeClr val="tx1">
-                    <a:lumMod val="75000"/>
-                    <a:lumOff val="25000"/>
-                  </a:schemeClr>
-                </a:solidFill>
-              </a:rPr>
-              <a:t> - Amount of money requested by the borrower.</a:t>
-            </a:r>
-          </a:p>
-          <a:p>
-            <a:pPr algn="just">
-              <a:buFont typeface="Wingdings" panose="05000000000000000000" pitchFamily="2" charset="2"/>
-              <a:buChar char="Ø"/>
-            </a:pPr>
-            <a:r>
-              <a:rPr lang="en-US" sz="1600" b="1" dirty="0">
-                <a:solidFill>
-                  <a:schemeClr val="tx1">
-                    <a:lumMod val="75000"/>
-                    <a:lumOff val="25000"/>
-                  </a:schemeClr>
-                </a:solidFill>
-              </a:rPr>
-              <a:t> </a:t>
-            </a:r>
-            <a:r>
-              <a:rPr lang="en-US" sz="1600" b="1" dirty="0" err="1">
-                <a:solidFill>
-                  <a:schemeClr val="tx1">
-                    <a:lumMod val="75000"/>
-                    <a:lumOff val="25000"/>
-                  </a:schemeClr>
-                </a:solidFill>
-              </a:rPr>
-              <a:t>intrate</a:t>
-            </a:r>
-            <a:r>
-              <a:rPr lang="en-US" sz="1600" dirty="0">
-                <a:solidFill>
-                  <a:schemeClr val="tx1">
-                    <a:lumMod val="75000"/>
-                    <a:lumOff val="25000"/>
-                  </a:schemeClr>
-                </a:solidFill>
-              </a:rPr>
-              <a:t> - Interest rate of the loan.</a:t>
-            </a:r>
-          </a:p>
-          <a:p>
-            <a:pPr algn="just">
-              <a:buFont typeface="Wingdings" panose="05000000000000000000" pitchFamily="2" charset="2"/>
-              <a:buChar char="Ø"/>
-            </a:pPr>
-            <a:r>
-              <a:rPr lang="en-US" sz="1600" b="1" dirty="0">
-                <a:solidFill>
-                  <a:schemeClr val="tx1">
-                    <a:lumMod val="75000"/>
-                    <a:lumOff val="25000"/>
-                  </a:schemeClr>
-                </a:solidFill>
-              </a:rPr>
-              <a:t> grade</a:t>
-            </a:r>
-            <a:r>
-              <a:rPr lang="en-US" sz="1600" dirty="0">
-                <a:solidFill>
-                  <a:schemeClr val="tx1">
-                    <a:lumMod val="75000"/>
-                    <a:lumOff val="25000"/>
-                  </a:schemeClr>
-                </a:solidFill>
-              </a:rPr>
-              <a:t> - Loan grade with categories A, B, C, D, E, F, G.</a:t>
-            </a:r>
-          </a:p>
-          <a:p>
-            <a:endParaRPr lang="en-US" dirty="0"/>
+              <a:rPr kumimoji="0" lang="pt-PT" sz="1600" b="0" i="0" u="none" strike="noStrike" kern="1200" cap="none" spc="0" normalizeH="0" baseline="0" noProof="0" dirty="0">
+                <a:ln>
+                  <a:noFill/>
+                </a:ln>
+                <a:solidFill>
+                  <a:prstClr val="black">
+                    <a:lumMod val="75000"/>
+                    <a:lumOff val="25000"/>
+                  </a:prstClr>
+                </a:solidFill>
+                <a:effectLst/>
+                <a:uLnTx/>
+                <a:uFillTx/>
+                <a:latin typeface="Calibri" panose="020F0502020204030204"/>
+                <a:ea typeface="+mn-ea"/>
+                <a:cs typeface="+mn-cs"/>
+              </a:rPr>
+              <a:t>Tirando partido dos diferentes valores destes atributos, utilizaremos vários classificadores para avaliar o possível grau de cada empréstimo, com uma taxa de acerto aceitável.</a:t>
+            </a:r>
+          </a:p>
+          <a:p>
+            <a:endParaRPr lang="pt-PT" dirty="0"/>
           </a:p>
         </p:txBody>
       </p:sp>
     </p:spTree>
     <p:extLst>
       <p:ext uri="{BB962C8B-B14F-4D97-AF65-F5344CB8AC3E}">
-        <p14:creationId xmlns:p14="http://schemas.microsoft.com/office/powerpoint/2010/main" val="4093220439"/>
+        <p14:creationId xmlns:p14="http://schemas.microsoft.com/office/powerpoint/2010/main" val="2196600047"/>
       </p:ext>
     </p:extLst>
   </p:cSld>
@@ -5560,7 +6044,7 @@
           <a:lstStyle/>
           <a:p>
             <a:r>
-              <a:rPr lang="pt-PT" dirty="0"/>
+              <a:rPr lang="pt-PT" b="1" dirty="0"/>
               <a:t>Referências e Trabalho Relacionado</a:t>
             </a:r>
             <a:endParaRPr lang="en-US" b="1" dirty="0"/>
@@ -5814,7 +6298,7 @@
             </a:r>
             <a:r>
               <a:rPr lang="en-US" sz="1600" dirty="0" err="1"/>
-              <a:t>desenvolvimentos</a:t>
+              <a:t>desenvolvimento</a:t>
             </a:r>
             <a:r>
               <a:rPr lang="en-US" sz="1600" dirty="0"/>
@@ -5862,7 +6346,7 @@
             </a:r>
             <a:r>
               <a:rPr lang="en-US" sz="1600" dirty="0" err="1"/>
-              <a:t>assiciados</a:t>
+              <a:t>associados</a:t>
             </a:r>
             <a:r>
               <a:rPr lang="en-US" sz="1600" dirty="0"/>
@@ -5959,15 +6443,7 @@
             </a:r>
             <a:r>
               <a:rPr lang="en-US" sz="1600" b="1" dirty="0"/>
-              <a:t> </a:t>
-            </a:r>
-            <a:r>
-              <a:rPr lang="en-US" sz="1600" b="1" dirty="0" err="1"/>
-              <a:t>Notebookes</a:t>
-            </a:r>
-            <a:r>
-              <a:rPr lang="en-US" sz="1600" b="1" dirty="0"/>
-              <a:t> </a:t>
+              <a:t> Notebook </a:t>
             </a:r>
             <a:r>
               <a:rPr lang="en-US" sz="1600" dirty="0"/>
@@ -6131,8 +6607,8 @@
         </p:nvSpPr>
         <p:spPr>
           <a:xfrm>
-            <a:off x="1520186" y="3154017"/>
-            <a:ext cx="9212587" cy="1323439"/>
+            <a:off x="1466550" y="3154017"/>
+            <a:ext cx="9319859" cy="1323439"/>
           </a:xfrm>
           <a:prstGeom prst="rect">
             <a:avLst/>
@@ -6271,7 +6747,7 @@
                   </a:schemeClr>
                 </a:solidFill>
               </a:rPr>
-              <a:t>uteis</a:t>
+              <a:t>úteis</a:t>
             </a:r>
             <a:r>
               <a:rPr lang="en-US" sz="1600" dirty="0">
@@ -6315,7 +6791,7 @@
                   </a:schemeClr>
                 </a:solidFill>
               </a:rPr>
-              <a:t>cmputacional</a:t>
+              <a:t>computacional</a:t>
             </a:r>
             <a:r>
               <a:rPr lang="en-US" sz="1600" dirty="0">
@@ -6828,7 +7304,7 @@
           </a:p>
           <a:p>
             <a:r>
-              <a:rPr lang="pt-PT" dirty="0"/>
+              <a:rPr lang="pt-PT" sz="1600" dirty="0"/>
               <a:t>Neste projeto temos como objetivo implementar as seguintes técnicas de classificação:</a:t>
             </a:r>
           </a:p>
@@ -6880,8 +7356,8 @@
         </p:nvSpPr>
         <p:spPr>
           <a:xfrm>
-            <a:off x="651652" y="2701954"/>
-            <a:ext cx="11222612" cy="2308324"/>
+            <a:off x="1097280" y="2701954"/>
+            <a:ext cx="10058400" cy="3139321"/>
           </a:xfrm>
           <a:prstGeom prst="rect">
             <a:avLst/>
@@ -6894,7 +7370,7 @@
           </a:bodyPr>
           <a:lstStyle/>
           <a:p>
-            <a:pPr>
+            <a:pPr lvl="1">
               <a:buFont typeface="Wingdings" panose="05000000000000000000" pitchFamily="2" charset="2"/>
               <a:buChar char="Ø"/>
             </a:pPr>
@@ -6966,7 +7442,7 @@
             </a:r>
           </a:p>
           <a:p>
-            <a:pPr>
+            <a:pPr lvl="1">
               <a:buFont typeface="Wingdings" panose="05000000000000000000" pitchFamily="2" charset="2"/>
               <a:buChar char="Ø"/>
             </a:pPr>
@@ -7038,7 +7514,7 @@
             </a:r>
           </a:p>
           <a:p>
-            <a:pPr>
+            <a:pPr lvl="1">
               <a:buFont typeface="Wingdings" panose="05000000000000000000" pitchFamily="2" charset="2"/>
               <a:buChar char="Ø"/>
             </a:pPr>
@@ -7132,7 +7608,7 @@
             </a:r>
           </a:p>
           <a:p>
-            <a:pPr>
+            <a:pPr lvl="1">
               <a:buFont typeface="Wingdings" panose="05000000000000000000" pitchFamily="2" charset="2"/>
               <a:buChar char="Ø"/>
             </a:pPr>
@@ -7191,6 +7667,86 @@
               </a:rPr>
               <a:t>.</a:t>
             </a:r>
+          </a:p>
+          <a:p>
+            <a:pPr lvl="1">
+              <a:buFont typeface="Wingdings" panose="05000000000000000000" pitchFamily="2" charset="2"/>
+              <a:buChar char="Ø"/>
+            </a:pPr>
+            <a:r>
+              <a:rPr lang="pt-PT" b="1" dirty="0">
+                <a:solidFill>
+                  <a:schemeClr val="tx1">
+                    <a:lumMod val="75000"/>
+                    <a:lumOff val="25000"/>
+                  </a:schemeClr>
+                </a:solidFill>
+              </a:rPr>
+              <a:t> </a:t>
+            </a:r>
+            <a:r>
+              <a:rPr lang="pt-PT" b="1" dirty="0" err="1">
+                <a:solidFill>
+                  <a:schemeClr val="tx1">
+                    <a:lumMod val="75000"/>
+                    <a:lumOff val="25000"/>
+                  </a:schemeClr>
+                </a:solidFill>
+              </a:rPr>
+              <a:t>Decision</a:t>
+            </a:r>
+            <a:r>
+              <a:rPr lang="pt-PT" b="1" dirty="0">
+                <a:solidFill>
+                  <a:schemeClr val="tx1">
+                    <a:lumMod val="75000"/>
+                    <a:lumOff val="25000"/>
+                  </a:schemeClr>
+                </a:solidFill>
+              </a:rPr>
+              <a:t> </a:t>
+            </a:r>
+            <a:r>
+              <a:rPr lang="pt-PT" b="1" dirty="0" err="1">
+                <a:solidFill>
+                  <a:schemeClr val="tx1">
+                    <a:lumMod val="75000"/>
+                    <a:lumOff val="25000"/>
+                  </a:schemeClr>
+                </a:solidFill>
+              </a:rPr>
+              <a:t>Trees</a:t>
+            </a:r>
+            <a:r>
+              <a:rPr lang="pt-PT" b="1" dirty="0">
+                <a:solidFill>
+                  <a:schemeClr val="tx1">
+                    <a:lumMod val="75000"/>
+                    <a:lumOff val="25000"/>
+                  </a:schemeClr>
+                </a:solidFill>
+              </a:rPr>
+              <a:t> – </a:t>
+            </a:r>
+            <a:r>
+              <a:rPr lang="pt-PT" dirty="0">
+                <a:solidFill>
+                  <a:schemeClr val="tx1">
+                    <a:lumMod val="75000"/>
+                    <a:lumOff val="25000"/>
+                  </a:schemeClr>
+                </a:solidFill>
+              </a:rPr>
+              <a:t>Técnica que prevê os resultados através de uma abordagem algorítmica que identifica maneiras de dividir um conjunto de dados com base em diferentes condições.</a:t>
+            </a:r>
+            <a:endParaRPr lang="pt-PT" b="1" dirty="0">
+              <a:solidFill>
+                <a:schemeClr val="tx1">
+                  <a:lumMod val="75000"/>
+                  <a:lumOff val="25000"/>
+                </a:schemeClr>
+              </a:solidFill>
+            </a:endParaRPr>
           </a:p>
           <a:p>
             <a:endParaRPr lang="en-US" dirty="0"/>
@@ -7249,10 +7805,10 @@
           <a:lstStyle/>
           <a:p>
             <a:r>
-              <a:rPr lang="pt-PT" dirty="0"/>
+              <a:rPr lang="pt-PT" b="1" dirty="0"/>
               <a:t>Trabalho realizado</a:t>
             </a:r>
-            <a:endParaRPr lang="en-US" dirty="0"/>
+            <a:endParaRPr lang="en-US" b="1" dirty="0"/>
           </a:p>
         </p:txBody>
       </p:sp>
@@ -7274,47 +7830,70 @@
         </p:nvSpPr>
         <p:spPr/>
         <p:txBody>
-          <a:bodyPr/>
+          <a:bodyPr>
+            <a:normAutofit/>
+          </a:bodyPr>
           <a:lstStyle/>
           <a:p>
             <a:r>
-              <a:rPr lang="pt-PT" dirty="0"/>
-              <a:t>Durante um pré processamento dos dados foram removidos </a:t>
-            </a:r>
-            <a:r>
-              <a:rPr lang="pt-PT" dirty="0" err="1"/>
-              <a:t>outliers</a:t>
-            </a:r>
-            <a:r>
-              <a:rPr lang="pt-PT" dirty="0"/>
-              <a:t>, duplicados e decidimos utilizar um </a:t>
-            </a:r>
-            <a:r>
-              <a:rPr lang="pt-PT" dirty="0" err="1"/>
-              <a:t>sampling</a:t>
-            </a:r>
-            <a:r>
-              <a:rPr lang="pt-PT" dirty="0"/>
-              <a:t> de *?* dados de cada classe, uma vez que o número total de dados de cada classe era uma variável e o menor continha *?* dados</a:t>
-            </a:r>
-          </a:p>
-          <a:p>
-            <a:endParaRPr lang="pt-PT" dirty="0"/>
-          </a:p>
-          <a:p>
-            <a:r>
-              <a:rPr lang="pt-PT" b="1" dirty="0" err="1"/>
-              <a:t>Decision</a:t>
-            </a:r>
-            <a:r>
-              <a:rPr lang="pt-PT" b="1" dirty="0"/>
+              <a:rPr lang="pt-PT" sz="1600" dirty="0"/>
+              <a:t>Até ao momento, estivemos a trabalhar no pré-processamento dos dados fornecidos, pois o </a:t>
+            </a:r>
+            <a:r>
+              <a:rPr lang="pt-PT" sz="1600" i="1" dirty="0" err="1"/>
+              <a:t>dataset</a:t>
+            </a:r>
+            <a:r>
+              <a:rPr lang="pt-PT" sz="1600" i="1" dirty="0"/>
               <a:t> </a:t>
             </a:r>
             <a:r>
-              <a:rPr lang="pt-PT" b="1" dirty="0" err="1"/>
-              <a:t>Tree</a:t>
-            </a:r>
-            <a:endParaRPr lang="pt-PT" b="1" dirty="0"/>
+              <a:rPr lang="pt-PT" sz="1600" dirty="0"/>
+              <a:t>inicial continha muitas colunas, o que tornava muito complicada a análise dos dados de modo a construir um modelo de aprendizagem supervisionada aceitável.</a:t>
+            </a:r>
+          </a:p>
+          <a:p>
+            <a:r>
+              <a:rPr lang="pt-PT" sz="1600" dirty="0"/>
+              <a:t>Deste modo, removemos bastante colunas que continham informações que não acrescentavam grande valor para a construção do modelo (por ex. </a:t>
+            </a:r>
+            <a:r>
+              <a:rPr lang="pt-PT" sz="1600" i="1" dirty="0"/>
+              <a:t>id</a:t>
+            </a:r>
+            <a:r>
+              <a:rPr lang="pt-PT" sz="1600" dirty="0"/>
+              <a:t>, </a:t>
+            </a:r>
+            <a:r>
+              <a:rPr lang="pt-PT" sz="1600" i="1" dirty="0" err="1"/>
+              <a:t>member_id</a:t>
+            </a:r>
+            <a:r>
+              <a:rPr lang="pt-PT" sz="1600" dirty="0"/>
+              <a:t>), que continham informações que só são possíveis de conhecer depois do empréstimo ser feito (por ex. </a:t>
+            </a:r>
+            <a:r>
+              <a:rPr lang="pt-PT" sz="1600" i="1" dirty="0" err="1"/>
+              <a:t>funded_amnt</a:t>
+            </a:r>
+            <a:r>
+              <a:rPr lang="pt-PT" sz="1600" dirty="0"/>
+              <a:t>,</a:t>
+            </a:r>
+            <a:r>
+              <a:rPr lang="pt-PT" sz="1600" i="1" dirty="0"/>
+              <a:t> </a:t>
+            </a:r>
+            <a:r>
+              <a:rPr lang="pt-PT" sz="1600" i="1" dirty="0" err="1"/>
+              <a:t>out_prncp</a:t>
+            </a:r>
+            <a:r>
+              <a:rPr lang="pt-PT" sz="1600" dirty="0"/>
+              <a:t>)</a:t>
+            </a:r>
+            <a:endParaRPr lang="pt-PT" sz="1600" i="1" dirty="0"/>
           </a:p>
         </p:txBody>
       </p:sp>
@@ -7347,6 +7926,36 @@
           </a:p>
         </p:txBody>
       </p:sp>
+      <p:pic>
+        <p:nvPicPr>
+          <p:cNvPr id="5" name="Imagem 4">
+            <a:extLst>
+              <a:ext uri="{FF2B5EF4-FFF2-40B4-BE49-F238E27FC236}">
+                <a16:creationId xmlns:a16="http://schemas.microsoft.com/office/drawing/2014/main" id="{6501EF7E-ED75-4BCD-B11B-FB14B9327E24}"/>
+              </a:ext>
+            </a:extLst>
+          </p:cNvPr>
+          <p:cNvPicPr>
+            <a:picLocks noChangeAspect="1"/>
+          </p:cNvPicPr>
+          <p:nvPr/>
+        </p:nvPicPr>
+        <p:blipFill>
+          <a:blip r:embed="rId2"/>
+          <a:stretch>
+            <a:fillRect/>
+          </a:stretch>
+        </p:blipFill>
+        <p:spPr>
+          <a:xfrm>
+            <a:off x="1250748" y="4164779"/>
+            <a:ext cx="9690503" cy="1704315"/>
+          </a:xfrm>
+          <a:prstGeom prst="rect">
+            <a:avLst/>
+          </a:prstGeom>
+        </p:spPr>
+      </p:pic>
     </p:spTree>
     <p:extLst>
       <p:ext uri="{BB962C8B-B14F-4D97-AF65-F5344CB8AC3E}">

--- a/proj2/docs/checkpoint.pptx
+++ b/proj2/docs/checkpoint.pptx
@@ -4805,15 +4805,15 @@
               <a:t> objetivo deste trabalho é utilizar </a:t>
             </a:r>
             <a:r>
-              <a:rPr lang="pt-PT" sz="1600" dirty="0" err="1"/>
+              <a:rPr lang="pt-PT" sz="1600" i="1" dirty="0" err="1"/>
               <a:t>Supervised</a:t>
             </a:r>
             <a:r>
-              <a:rPr lang="pt-PT" sz="1600" dirty="0"/>
+              <a:rPr lang="pt-PT" sz="1600" i="1" dirty="0"/>
               <a:t> </a:t>
             </a:r>
             <a:r>
-              <a:rPr lang="pt-PT" sz="1600" dirty="0" err="1"/>
+              <a:rPr lang="pt-PT" sz="1600" i="1" dirty="0" err="1"/>
               <a:t>Learning</a:t>
             </a:r>
             <a:r>
@@ -4821,12 +4821,16 @@
               <a:t> para prever o grau de risco de um empréstimo (</a:t>
             </a:r>
             <a:r>
-              <a:rPr lang="pt-PT" sz="1600" dirty="0" err="1"/>
+              <a:rPr lang="pt-PT" sz="1600" i="1" dirty="0" err="1"/>
               <a:t>loan</a:t>
             </a:r>
             <a:r>
+              <a:rPr lang="pt-PT" sz="1600" i="1" dirty="0"/>
+              <a:t> grade</a:t>
+            </a:r>
+            <a:r>
               <a:rPr lang="pt-PT" sz="1600" dirty="0"/>
-              <a:t> grade).  Para isso, contamos com um </a:t>
+              <a:t>).  Para isso, contamos com um </a:t>
             </a:r>
             <a:r>
               <a:rPr lang="pt-PT" sz="1600" dirty="0" err="1"/>
@@ -4844,7 +4848,7 @@
             </a:r>
             <a:r>
               <a:rPr lang="pt-PT" sz="1600" dirty="0"/>
-              <a:t>tas amostras contêm os 73 atributos sendo os mais importantes selecionados:</a:t>
+              <a:t>tas amostras contêm os 73 atributos, sendo alguns dos mais importantes:</a:t>
             </a:r>
           </a:p>
           <a:p>
@@ -5046,7 +5050,7 @@
                   </a:schemeClr>
                 </a:solidFill>
               </a:rPr>
-              <a:t>.</a:t>
+              <a:t>;</a:t>
             </a:r>
           </a:p>
           <a:p>
@@ -5118,7 +5122,7 @@
                   </a:schemeClr>
                 </a:solidFill>
               </a:rPr>
-              <a:t>.</a:t>
+              <a:t>;</a:t>
             </a:r>
           </a:p>
           <a:p>
@@ -5432,7 +5436,7 @@
                   </a:schemeClr>
                 </a:solidFill>
               </a:rPr>
-              <a:t>.</a:t>
+              <a:t>;</a:t>
             </a:r>
             <a:endParaRPr lang="en-US" sz="1600" b="1" dirty="0">
               <a:solidFill>
@@ -5531,7 +5535,29 @@
                   </a:schemeClr>
                 </a:solidFill>
               </a:rPr>
-              <a:t> annual.</a:t>
+              <a:t> annual do </a:t>
+            </a:r>
+            <a:r>
+              <a:rPr lang="en-US" sz="1600" dirty="0" err="1">
+                <a:solidFill>
+                  <a:schemeClr val="tx1">
+                    <a:lumMod val="75000"/>
+                    <a:lumOff val="25000"/>
+                  </a:schemeClr>
+                </a:solidFill>
+              </a:rPr>
+              <a:t>cliente</a:t>
+            </a:r>
+            <a:r>
+              <a:rPr lang="en-US" sz="1600" dirty="0">
+                <a:solidFill>
+                  <a:schemeClr val="tx1">
+                    <a:lumMod val="75000"/>
+                    <a:lumOff val="25000"/>
+                  </a:schemeClr>
+                </a:solidFill>
+              </a:rPr>
+              <a:t>;</a:t>
             </a:r>
             <a:endParaRPr lang="en-US" sz="1600" b="1" dirty="0">
               <a:solidFill>
@@ -5633,7 +5659,7 @@
                   </a:schemeClr>
                 </a:solidFill>
               </a:rPr>
-              <a:t>.</a:t>
+              <a:t>;</a:t>
             </a:r>
           </a:p>
           <a:p>
@@ -5650,7 +5676,7 @@
                   </a:schemeClr>
                 </a:solidFill>
               </a:rPr>
-              <a:t>installments</a:t>
+              <a:t>installment</a:t>
             </a:r>
             <a:r>
               <a:rPr lang="en-US" sz="1600" dirty="0">
@@ -5749,7 +5775,7 @@
                   </a:schemeClr>
                 </a:solidFill>
               </a:rPr>
-              <a:t>.</a:t>
+              <a:t>;</a:t>
             </a:r>
           </a:p>
           <a:p>
@@ -6067,7 +6093,7 @@
             <p:ph idx="1"/>
           </p:nvPr>
         </p:nvSpPr>
-        <p:spPr>
+        <p:spPr bwMode="auto">
           <a:xfrm>
             <a:off x="1097280" y="1855063"/>
             <a:ext cx="10058400" cy="4291297"/>
@@ -6079,12 +6105,105 @@
           </a:bodyPr>
           <a:lstStyle/>
           <a:p>
-            <a:pPr marL="0" indent="0" algn="just">
+            <a:pPr lvl="1" algn="just">
               <a:lnSpc>
                 <a:spcPct val="100000"/>
               </a:lnSpc>
-              <a:buNone/>
+              <a:buClrTx/>
+              <a:buFont typeface="Wingdings" panose="05000000000000000000" pitchFamily="2" charset="2"/>
+              <a:buChar char="Ø"/>
             </a:pPr>
+            <a:r>
+              <a:rPr lang="en-US" sz="1600" dirty="0">
+                <a:hlinkClick r:id="rId2"/>
+              </a:rPr>
+              <a:t>https://www.kaggle.com/rameshmehta/credit-risk-analysis</a:t>
+            </a:r>
+            <a:endParaRPr lang="en-US" sz="1600" dirty="0"/>
+          </a:p>
+          <a:p>
+            <a:pPr lvl="1" algn="just">
+              <a:lnSpc>
+                <a:spcPct val="100000"/>
+              </a:lnSpc>
+              <a:buClrTx/>
+              <a:buFont typeface="Wingdings" panose="05000000000000000000" pitchFamily="2" charset="2"/>
+              <a:buChar char="Ø"/>
+            </a:pPr>
+            <a:r>
+              <a:rPr lang="en-US" sz="1600" dirty="0">
+                <a:hlinkClick r:id="rId3"/>
+              </a:rPr>
+              <a:t>https://rstudio-pubs-static.s3.amazonaws.com/190551_15f6124632824534b7e397ce7ad2f2b8.html</a:t>
+            </a:r>
+            <a:endParaRPr lang="en-US" sz="1600" dirty="0"/>
+          </a:p>
+          <a:p>
+            <a:pPr lvl="1" algn="just">
+              <a:lnSpc>
+                <a:spcPct val="100000"/>
+              </a:lnSpc>
+              <a:buClrTx/>
+              <a:buFont typeface="Wingdings" panose="05000000000000000000" pitchFamily="2" charset="2"/>
+              <a:buChar char="Ø"/>
+            </a:pPr>
+            <a:r>
+              <a:rPr lang="en-US" sz="1600" dirty="0">
+                <a:hlinkClick r:id="rId4"/>
+              </a:rPr>
+              <a:t>https://rstudio-pubs-static.s3.amazonaws.com/263968_5057ec1f5a2e48a89aab7f568fc37ade.html</a:t>
+            </a:r>
+            <a:endParaRPr lang="en-US" sz="1600" dirty="0"/>
+          </a:p>
+          <a:p>
+            <a:pPr lvl="1" algn="just">
+              <a:lnSpc>
+                <a:spcPct val="100000"/>
+              </a:lnSpc>
+              <a:buClrTx/>
+              <a:buFont typeface="Wingdings" panose="05000000000000000000" pitchFamily="2" charset="2"/>
+              <a:buChar char="Ø"/>
+            </a:pPr>
+            <a:r>
+              <a:rPr lang="en-US" sz="1600" dirty="0"/>
+              <a:t>Slides das aulas </a:t>
+            </a:r>
+            <a:r>
+              <a:rPr lang="en-US" sz="1600" dirty="0" err="1"/>
+              <a:t>teóricas</a:t>
+            </a:r>
+            <a:r>
+              <a:rPr lang="en-US" sz="1600" dirty="0"/>
+              <a:t> e </a:t>
+            </a:r>
+            <a:r>
+              <a:rPr lang="en-US" sz="1600" dirty="0" err="1"/>
+              <a:t>fichas</a:t>
+            </a:r>
+            <a:r>
+              <a:rPr lang="en-US" sz="1600" dirty="0"/>
+              <a:t> </a:t>
+            </a:r>
+            <a:r>
+              <a:rPr lang="en-US" sz="1600" dirty="0" err="1"/>
+              <a:t>realizadas</a:t>
+            </a:r>
+            <a:r>
+              <a:rPr lang="en-US" sz="1600" dirty="0"/>
+              <a:t> </a:t>
+            </a:r>
+            <a:r>
+              <a:rPr lang="en-US" sz="1600" dirty="0" err="1"/>
+              <a:t>nas</a:t>
+            </a:r>
+            <a:r>
+              <a:rPr lang="en-US" sz="1600" dirty="0"/>
+              <a:t> aulas </a:t>
+            </a:r>
+            <a:r>
+              <a:rPr lang="en-US" sz="1600" dirty="0" err="1"/>
+              <a:t>teórico-práticas</a:t>
+            </a:r>
             <a:endParaRPr lang="en-US" sz="1600" dirty="0"/>
           </a:p>
         </p:txBody>
@@ -6487,7 +6606,15 @@
             </a:r>
             <a:r>
               <a:rPr lang="en-US" sz="1600" dirty="0"/>
-              <a:t> um workflow </a:t>
+              <a:t> um </a:t>
+            </a:r>
+            <a:r>
+              <a:rPr lang="en-US" sz="1600" i="1" dirty="0"/>
+              <a:t>workflow</a:t>
+            </a:r>
+            <a:r>
+              <a:rPr lang="en-US" sz="1600" dirty="0"/>
+              <a:t> </a:t>
             </a:r>
             <a:r>
               <a:rPr lang="en-US" sz="1600" dirty="0" err="1"/>
@@ -6535,7 +6662,23 @@
             </a:r>
             <a:r>
               <a:rPr lang="en-US" sz="1600" dirty="0"/>
-              <a:t> intercalary Código com </a:t>
+              <a:t> </a:t>
+            </a:r>
+            <a:r>
+              <a:rPr lang="en-US" sz="1600" dirty="0" err="1"/>
+              <a:t>intercalar</a:t>
+            </a:r>
+            <a:r>
+              <a:rPr lang="en-US" sz="1600" dirty="0"/>
+              <a:t> </a:t>
+            </a:r>
+            <a:r>
+              <a:rPr lang="en-US" sz="1600" dirty="0" err="1"/>
+              <a:t>código</a:t>
+            </a:r>
+            <a:r>
+              <a:rPr lang="en-US" sz="1600" dirty="0"/>
+              <a:t> com </a:t>
             </a:r>
             <a:r>
               <a:rPr lang="en-US" sz="1600" dirty="0" err="1"/>
@@ -6543,7 +6686,15 @@
             </a:r>
             <a:r>
               <a:rPr lang="en-US" sz="1600" dirty="0"/>
-              <a:t> de dados e corer </a:t>
+              <a:t> de dados e </a:t>
+            </a:r>
+            <a:r>
+              <a:rPr lang="en-US" sz="1600" dirty="0" err="1"/>
+              <a:t>correr</a:t>
+            </a:r>
+            <a:r>
+              <a:rPr lang="en-US" sz="1600" dirty="0"/>
+              <a:t> </a:t>
             </a:r>
             <a:r>
               <a:rPr lang="en-US" sz="1600" dirty="0" err="1"/>
@@ -6551,7 +6702,23 @@
             </a:r>
             <a:r>
               <a:rPr lang="en-US" sz="1600" dirty="0"/>
-              <a:t> snippets de Código.</a:t>
+              <a:t> </a:t>
+            </a:r>
+            <a:r>
+              <a:rPr lang="en-US" sz="1600" i="1" dirty="0"/>
+              <a:t>snippets</a:t>
+            </a:r>
+            <a:r>
+              <a:rPr lang="en-US" sz="1600" dirty="0"/>
+              <a:t> de </a:t>
+            </a:r>
+            <a:r>
+              <a:rPr lang="en-US" sz="1600" dirty="0" err="1"/>
+              <a:t>código</a:t>
+            </a:r>
+            <a:r>
+              <a:rPr lang="en-US" sz="1600" dirty="0"/>
+              <a:t>.</a:t>
             </a:r>
           </a:p>
           <a:p>
@@ -6802,7 +6969,7 @@
                   </a:schemeClr>
                 </a:solidFill>
               </a:rPr>
-              <a:t>.</a:t>
+              <a:t>;</a:t>
             </a:r>
           </a:p>
           <a:p>
@@ -6921,7 +7088,7 @@
                   </a:schemeClr>
                 </a:solidFill>
               </a:rPr>
-              <a:t>.</a:t>
+              <a:t>;</a:t>
             </a:r>
           </a:p>
           <a:p>
@@ -7018,7 +7185,7 @@
                   </a:schemeClr>
                 </a:solidFill>
               </a:rPr>
-              <a:t> de dados.</a:t>
+              <a:t> de dados;</a:t>
             </a:r>
           </a:p>
           <a:p>
@@ -7126,7 +7293,7 @@
                   </a:schemeClr>
                 </a:solidFill>
               </a:rPr>
-              <a:t> de dados.</a:t>
+              <a:t> de dados;</a:t>
             </a:r>
           </a:p>
           <a:p>
@@ -7357,7 +7524,7 @@
         <p:spPr>
           <a:xfrm>
             <a:off x="1097280" y="2701954"/>
-            <a:ext cx="10058400" cy="3139321"/>
+            <a:ext cx="10058400" cy="2616101"/>
           </a:xfrm>
           <a:prstGeom prst="rect">
             <a:avLst/>
@@ -7375,7 +7542,7 @@
               <a:buChar char="Ø"/>
             </a:pPr>
             <a:r>
-              <a:rPr lang="pt-PT" dirty="0">
+              <a:rPr lang="pt-PT" sz="1600" b="1" dirty="0">
                 <a:solidFill>
                   <a:schemeClr val="tx1">
                     <a:lumMod val="75000"/>
@@ -7386,7 +7553,7 @@
               <a:t> </a:t>
             </a:r>
             <a:r>
-              <a:rPr lang="pt-PT" b="1" dirty="0" err="1">
+              <a:rPr lang="pt-PT" sz="1600" b="1" dirty="0" err="1">
                 <a:solidFill>
                   <a:schemeClr val="tx1">
                     <a:lumMod val="75000"/>
@@ -7397,7 +7564,7 @@
               <a:t>Nearest</a:t>
             </a:r>
             <a:r>
-              <a:rPr lang="pt-PT" b="1" dirty="0">
+              <a:rPr lang="pt-PT" sz="1600" b="1" dirty="0">
                 <a:solidFill>
                   <a:schemeClr val="tx1">
                     <a:lumMod val="75000"/>
@@ -7408,7 +7575,7 @@
               <a:t> </a:t>
             </a:r>
             <a:r>
-              <a:rPr lang="pt-PT" b="1" dirty="0" err="1">
+              <a:rPr lang="pt-PT" sz="1600" b="1" dirty="0" err="1">
                 <a:solidFill>
                   <a:schemeClr val="tx1">
                     <a:lumMod val="75000"/>
@@ -7419,7 +7586,7 @@
               <a:t>Neighbor</a:t>
             </a:r>
             <a:r>
-              <a:rPr lang="pt-PT" b="1" dirty="0">
+              <a:rPr lang="pt-PT" sz="1600" b="1" dirty="0">
                 <a:solidFill>
                   <a:schemeClr val="tx1">
                     <a:lumMod val="75000"/>
@@ -7430,15 +7597,15 @@
               <a:t> (K-NN) </a:t>
             </a:r>
             <a:r>
-              <a:rPr lang="pt-PT" dirty="0">
-                <a:solidFill>
-                  <a:schemeClr val="tx1">
-                    <a:lumMod val="75000"/>
-                    <a:lumOff val="25000"/>
-                  </a:schemeClr>
-                </a:solidFill>
-              </a:rPr>
-              <a:t>-  Tenta classificar um objeto com base nos K elementos mais próximos/semelhantes.</a:t>
+              <a:rPr lang="pt-PT" sz="1600" dirty="0">
+                <a:solidFill>
+                  <a:schemeClr val="tx1">
+                    <a:lumMod val="75000"/>
+                    <a:lumOff val="25000"/>
+                  </a:schemeClr>
+                </a:solidFill>
+              </a:rPr>
+              <a:t>-  Tenta classificar um objeto com base nos K elementos mais próximos/semelhantes;</a:t>
             </a:r>
           </a:p>
           <a:p>
@@ -7447,7 +7614,7 @@
               <a:buChar char="Ø"/>
             </a:pPr>
             <a:r>
-              <a:rPr lang="pt-PT" dirty="0">
+              <a:rPr lang="pt-PT" sz="1600" dirty="0">
                 <a:solidFill>
                   <a:schemeClr val="tx1">
                     <a:lumMod val="75000"/>
@@ -7458,7 +7625,7 @@
               <a:t> </a:t>
             </a:r>
             <a:r>
-              <a:rPr lang="pt-PT" b="1" dirty="0" err="1">
+              <a:rPr lang="pt-PT" sz="1600" b="1" dirty="0" err="1">
                 <a:solidFill>
                   <a:schemeClr val="tx1">
                     <a:lumMod val="75000"/>
@@ -7469,7 +7636,7 @@
               <a:t>Naive</a:t>
             </a:r>
             <a:r>
-              <a:rPr lang="pt-PT" b="1" dirty="0">
+              <a:rPr lang="pt-PT" sz="1600" b="1" dirty="0">
                 <a:solidFill>
                   <a:schemeClr val="tx1">
                     <a:lumMod val="75000"/>
@@ -7480,7 +7647,7 @@
               <a:t> </a:t>
             </a:r>
             <a:r>
-              <a:rPr lang="pt-PT" b="1" dirty="0" err="1">
+              <a:rPr lang="pt-PT" sz="1600" b="1" dirty="0" err="1">
                 <a:solidFill>
                   <a:schemeClr val="tx1">
                     <a:lumMod val="75000"/>
@@ -7491,7 +7658,7 @@
               <a:t>Bayes</a:t>
             </a:r>
             <a:r>
-              <a:rPr lang="pt-PT" b="1" dirty="0">
+              <a:rPr lang="pt-PT" sz="1600" b="1" dirty="0">
                 <a:solidFill>
                   <a:schemeClr val="tx1">
                     <a:lumMod val="75000"/>
@@ -7502,15 +7669,15 @@
               <a:t> (NB) </a:t>
             </a:r>
             <a:r>
-              <a:rPr lang="pt-PT" dirty="0">
-                <a:solidFill>
-                  <a:schemeClr val="tx1">
-                    <a:lumMod val="75000"/>
-                    <a:lumOff val="25000"/>
-                  </a:schemeClr>
-                </a:solidFill>
-              </a:rPr>
-              <a:t>– Assume que todos os valores são independentes, tirando partido disso para a previsão de um elemento.</a:t>
+              <a:rPr lang="pt-PT" sz="1600" dirty="0">
+                <a:solidFill>
+                  <a:schemeClr val="tx1">
+                    <a:lumMod val="75000"/>
+                    <a:lumOff val="25000"/>
+                  </a:schemeClr>
+                </a:solidFill>
+              </a:rPr>
+              <a:t>– Assume que todos os valores são independentes, tirando partido disso para a previsão de um elemento;</a:t>
             </a:r>
           </a:p>
           <a:p>
@@ -7519,7 +7686,7 @@
               <a:buChar char="Ø"/>
             </a:pPr>
             <a:r>
-              <a:rPr lang="pt-PT" b="1" dirty="0">
+              <a:rPr lang="pt-PT" sz="1600" b="1" dirty="0">
                 <a:solidFill>
                   <a:schemeClr val="tx1">
                     <a:lumMod val="75000"/>
@@ -7530,7 +7697,7 @@
               <a:t> </a:t>
             </a:r>
             <a:r>
-              <a:rPr lang="pt-PT" b="1" dirty="0" err="1">
+              <a:rPr lang="pt-PT" sz="1600" b="1" dirty="0" err="1">
                 <a:solidFill>
                   <a:schemeClr val="tx1">
                     <a:lumMod val="75000"/>
@@ -7541,7 +7708,7 @@
               <a:t>Support</a:t>
             </a:r>
             <a:r>
-              <a:rPr lang="pt-PT" b="1" dirty="0">
+              <a:rPr lang="pt-PT" sz="1600" b="1" dirty="0">
                 <a:solidFill>
                   <a:schemeClr val="tx1">
                     <a:lumMod val="75000"/>
@@ -7552,7 +7719,7 @@
               <a:t> </a:t>
             </a:r>
             <a:r>
-              <a:rPr lang="pt-PT" b="1" dirty="0" err="1">
+              <a:rPr lang="pt-PT" sz="1600" b="1" dirty="0" err="1">
                 <a:solidFill>
                   <a:schemeClr val="tx1">
                     <a:lumMod val="75000"/>
@@ -7563,7 +7730,7 @@
               <a:t>Vector</a:t>
             </a:r>
             <a:r>
-              <a:rPr lang="pt-PT" b="1" dirty="0">
+              <a:rPr lang="pt-PT" sz="1600" b="1" dirty="0">
                 <a:solidFill>
                   <a:schemeClr val="tx1">
                     <a:lumMod val="75000"/>
@@ -7574,7 +7741,7 @@
               <a:t> </a:t>
             </a:r>
             <a:r>
-              <a:rPr lang="pt-PT" b="1" dirty="0" err="1">
+              <a:rPr lang="pt-PT" sz="1600" b="1" dirty="0" err="1">
                 <a:solidFill>
                   <a:schemeClr val="tx1">
                     <a:lumMod val="75000"/>
@@ -7585,7 +7752,7 @@
               <a:t>Machines</a:t>
             </a:r>
             <a:r>
-              <a:rPr lang="pt-PT" b="1" dirty="0">
+              <a:rPr lang="pt-PT" sz="1600" b="1" dirty="0">
                 <a:solidFill>
                   <a:schemeClr val="tx1">
                     <a:lumMod val="75000"/>
@@ -7596,15 +7763,15 @@
               <a:t> (SVM)</a:t>
             </a:r>
             <a:r>
-              <a:rPr lang="pt-PT" dirty="0">
-                <a:solidFill>
-                  <a:schemeClr val="tx1">
-                    <a:lumMod val="75000"/>
-                    <a:lumOff val="25000"/>
-                  </a:schemeClr>
-                </a:solidFill>
-              </a:rPr>
-              <a:t> – Tenta traçar uma fronteira entre as várias classes e classificar o elemento consoante a região a que pertence.</a:t>
+              <a:rPr lang="pt-PT" sz="1600" dirty="0">
+                <a:solidFill>
+                  <a:schemeClr val="tx1">
+                    <a:lumMod val="75000"/>
+                    <a:lumOff val="25000"/>
+                  </a:schemeClr>
+                </a:solidFill>
+              </a:rPr>
+              <a:t> – Tenta traçar uma fronteira entre as várias classes e classificar o elemento consoante a região a que pertence;</a:t>
             </a:r>
           </a:p>
           <a:p>
@@ -7613,7 +7780,7 @@
               <a:buChar char="Ø"/>
             </a:pPr>
             <a:r>
-              <a:rPr lang="pt-PT" dirty="0">
+              <a:rPr lang="pt-PT" sz="1600" dirty="0">
                 <a:solidFill>
                   <a:schemeClr val="tx1">
                     <a:lumMod val="75000"/>
@@ -7624,7 +7791,7 @@
               <a:t> </a:t>
             </a:r>
             <a:r>
-              <a:rPr lang="pt-PT" b="1" dirty="0">
+              <a:rPr lang="pt-PT" sz="1600" b="1" dirty="0">
                 <a:solidFill>
                   <a:schemeClr val="tx1">
                     <a:lumMod val="75000"/>
@@ -7635,7 +7802,7 @@
               <a:t>Neural Networks (ANN) </a:t>
             </a:r>
             <a:r>
-              <a:rPr lang="pt-PT" dirty="0">
+              <a:rPr lang="pt-PT" sz="1600" dirty="0">
                 <a:solidFill>
                   <a:schemeClr val="tx1">
                     <a:lumMod val="75000"/>
@@ -7646,7 +7813,7 @@
               <a:t>– Rede constituída por vários “neurônios” que comunicam entre si de forma a prever um dado </a:t>
             </a:r>
             <a:r>
-              <a:rPr lang="pt-PT" dirty="0" err="1">
+              <a:rPr lang="pt-PT" sz="1600" i="1" dirty="0" err="1">
                 <a:solidFill>
                   <a:schemeClr val="tx1">
                     <a:lumMod val="75000"/>
@@ -7657,15 +7824,15 @@
               <a:t>outcome</a:t>
             </a:r>
             <a:r>
-              <a:rPr lang="pt-PT" dirty="0">
-                <a:solidFill>
-                  <a:schemeClr val="tx1">
-                    <a:lumMod val="75000"/>
-                    <a:lumOff val="25000"/>
-                  </a:schemeClr>
-                </a:solidFill>
-              </a:rPr>
-              <a:t>.</a:t>
+              <a:rPr lang="pt-PT" sz="1600" dirty="0">
+                <a:solidFill>
+                  <a:schemeClr val="tx1">
+                    <a:lumMod val="75000"/>
+                    <a:lumOff val="25000"/>
+                  </a:schemeClr>
+                </a:solidFill>
+              </a:rPr>
+              <a:t>;</a:t>
             </a:r>
           </a:p>
           <a:p>
@@ -7674,7 +7841,7 @@
               <a:buChar char="Ø"/>
             </a:pPr>
             <a:r>
-              <a:rPr lang="pt-PT" b="1" dirty="0">
+              <a:rPr lang="pt-PT" sz="1600" b="1" dirty="0">
                 <a:solidFill>
                   <a:schemeClr val="tx1">
                     <a:lumMod val="75000"/>
@@ -7685,7 +7852,7 @@
               <a:t> </a:t>
             </a:r>
             <a:r>
-              <a:rPr lang="pt-PT" b="1" dirty="0" err="1">
+              <a:rPr lang="pt-PT" sz="1600" b="1" dirty="0" err="1">
                 <a:solidFill>
                   <a:schemeClr val="tx1">
                     <a:lumMod val="75000"/>
@@ -7696,7 +7863,7 @@
               <a:t>Decision</a:t>
             </a:r>
             <a:r>
-              <a:rPr lang="pt-PT" b="1" dirty="0">
+              <a:rPr lang="pt-PT" sz="1600" b="1" dirty="0">
                 <a:solidFill>
                   <a:schemeClr val="tx1">
                     <a:lumMod val="75000"/>
@@ -7707,7 +7874,7 @@
               <a:t> </a:t>
             </a:r>
             <a:r>
-              <a:rPr lang="pt-PT" b="1" dirty="0" err="1">
+              <a:rPr lang="pt-PT" sz="1600" b="1" dirty="0" err="1">
                 <a:solidFill>
                   <a:schemeClr val="tx1">
                     <a:lumMod val="75000"/>
@@ -7718,7 +7885,7 @@
               <a:t>Trees</a:t>
             </a:r>
             <a:r>
-              <a:rPr lang="pt-PT" b="1" dirty="0">
+              <a:rPr lang="pt-PT" sz="1600" b="1" dirty="0">
                 <a:solidFill>
                   <a:schemeClr val="tx1">
                     <a:lumMod val="75000"/>
@@ -7729,7 +7896,7 @@
               <a:t> – </a:t>
             </a:r>
             <a:r>
-              <a:rPr lang="pt-PT" dirty="0">
+              <a:rPr lang="pt-PT" sz="1600" dirty="0">
                 <a:solidFill>
                   <a:schemeClr val="tx1">
                     <a:lumMod val="75000"/>
@@ -7739,7 +7906,7 @@
               </a:rPr>
               <a:t>Técnica que prevê os resultados através de uma abordagem algorítmica que identifica maneiras de dividir um conjunto de dados com base em diferentes condições.</a:t>
             </a:r>
-            <a:endParaRPr lang="pt-PT" b="1" dirty="0">
+            <a:endParaRPr lang="pt-PT" sz="1600" b="1" dirty="0">
               <a:solidFill>
                 <a:schemeClr val="tx1">
                   <a:lumMod val="75000"/>
@@ -7828,7 +7995,12 @@
             <p:ph idx="1"/>
           </p:nvPr>
         </p:nvSpPr>
-        <p:spPr/>
+        <p:spPr>
+          <a:xfrm>
+            <a:off x="1097280" y="1845734"/>
+            <a:ext cx="10058400" cy="4379220"/>
+          </a:xfrm>
+        </p:spPr>
         <p:txBody>
           <a:bodyPr>
             <a:normAutofit/>
@@ -7849,7 +8021,7 @@
             </a:r>
             <a:r>
               <a:rPr lang="pt-PT" sz="1600" dirty="0"/>
-              <a:t>inicial continha muitas colunas, o que tornava muito complicada a análise dos dados de modo a construir um modelo de aprendizagem supervisionada aceitável.</a:t>
+              <a:t>inicial continha demasiadas colunas, o que tornava muito complicada a análise dos dados de modo a construir um modelo de aprendizagem supervisionada aceitável.</a:t>
             </a:r>
           </a:p>
           <a:p>
@@ -7891,9 +8063,46 @@
             </a:r>
             <a:r>
               <a:rPr lang="pt-PT" sz="1600" dirty="0"/>
-              <a:t>)</a:t>
-            </a:r>
-            <a:endParaRPr lang="pt-PT" sz="1600" i="1" dirty="0"/>
+              <a:t>), que continham apenas um valor único (por ex. </a:t>
+            </a:r>
+            <a:r>
+              <a:rPr lang="pt-PT" sz="1600" i="1" dirty="0" err="1"/>
+              <a:t>policy_code</a:t>
+            </a:r>
+            <a:r>
+              <a:rPr lang="pt-PT" sz="1600" dirty="0"/>
+              <a:t>) ou que continham uma elevada percentagem de valores em falta (por ex. </a:t>
+            </a:r>
+            <a:r>
+              <a:rPr lang="pt-PT" sz="1600" i="1" dirty="0" err="1"/>
+              <a:t>verification_status_joint</a:t>
+            </a:r>
+            <a:r>
+              <a:rPr lang="pt-PT" sz="1600" dirty="0"/>
+              <a:t>, </a:t>
+            </a:r>
+            <a:r>
+              <a:rPr lang="pt-PT" sz="1600" i="1" dirty="0" err="1"/>
+              <a:t>annual_inc_joint</a:t>
+            </a:r>
+            <a:r>
+              <a:rPr lang="pt-PT" sz="1600" dirty="0"/>
+              <a:t>).</a:t>
+            </a:r>
+          </a:p>
+          <a:p>
+            <a:r>
+              <a:rPr lang="pt-PT" sz="1600" dirty="0"/>
+              <a:t>Para além da remoção das colunas, começamos também a resolver os casos em que faltavam valores em algumas colunas e a converter os valores de colunas categóricas em valores numéricos de forma a poderem ser </a:t>
+            </a:r>
+            <a:r>
+              <a:rPr lang="pt-PT" sz="1600" dirty="0" err="1"/>
+              <a:t>analaisados</a:t>
+            </a:r>
+            <a:r>
+              <a:rPr lang="pt-PT" sz="1600" dirty="0"/>
+              <a:t>.</a:t>
+            </a:r>
           </a:p>
         </p:txBody>
       </p:sp>
@@ -7948,7 +8157,7 @@
         </p:blipFill>
         <p:spPr>
           <a:xfrm>
-            <a:off x="1250748" y="4164779"/>
+            <a:off x="1250748" y="4520639"/>
             <a:ext cx="9690503" cy="1704315"/>
           </a:xfrm>
           <a:prstGeom prst="rect">

--- a/proj2/docs/checkpoint.pptx
+++ b/proj2/docs/checkpoint.pptx
@@ -360,7 +360,7 @@
           <a:p>
             <a:fld id="{A22E88E1-E8DF-46B1-887B-DC41C5AA562A}" type="slidenum">
               <a:rPr lang="pt-PT" smtClean="0"/>
-              <a:t>‹nº›</a:t>
+              <a:t>‹#›</a:t>
             </a:fld>
             <a:endParaRPr lang="pt-PT"/>
           </a:p>
@@ -742,7 +742,7 @@
           <a:p>
             <a:fld id="{6D22F896-40B5-4ADD-8801-0D06FADFA095}" type="slidenum">
               <a:rPr lang="en-US" smtClean="0"/>
-              <a:t>‹nº›</a:t>
+              <a:t>‹#›</a:t>
             </a:fld>
             <a:endParaRPr lang="en-US" dirty="0"/>
           </a:p>
@@ -955,7 +955,7 @@
           <a:p>
             <a:fld id="{6D22F896-40B5-4ADD-8801-0D06FADFA095}" type="slidenum">
               <a:rPr lang="en-US" smtClean="0"/>
-              <a:t>‹nº›</a:t>
+              <a:t>‹#›</a:t>
             </a:fld>
             <a:endParaRPr lang="en-US" dirty="0"/>
           </a:p>
@@ -1216,7 +1216,7 @@
           <a:p>
             <a:fld id="{6D22F896-40B5-4ADD-8801-0D06FADFA095}" type="slidenum">
               <a:rPr lang="en-US" smtClean="0"/>
-              <a:t>‹nº›</a:t>
+              <a:t>‹#›</a:t>
             </a:fld>
             <a:endParaRPr lang="en-US" dirty="0"/>
           </a:p>
@@ -1391,7 +1391,7 @@
           <a:p>
             <a:fld id="{6D22F896-40B5-4ADD-8801-0D06FADFA095}" type="slidenum">
               <a:rPr lang="en-US" smtClean="0"/>
-              <a:t>‹nº›</a:t>
+              <a:t>‹#›</a:t>
             </a:fld>
             <a:endParaRPr lang="en-US" dirty="0"/>
           </a:p>
@@ -1739,7 +1739,7 @@
           <a:p>
             <a:fld id="{6D22F896-40B5-4ADD-8801-0D06FADFA095}" type="slidenum">
               <a:rPr lang="en-US" smtClean="0"/>
-              <a:t>‹nº›</a:t>
+              <a:t>‹#›</a:t>
             </a:fld>
             <a:endParaRPr lang="en-US" dirty="0"/>
           </a:p>
@@ -2019,7 +2019,7 @@
           <a:p>
             <a:fld id="{6D22F896-40B5-4ADD-8801-0D06FADFA095}" type="slidenum">
               <a:rPr lang="en-US" smtClean="0"/>
-              <a:t>‹nº›</a:t>
+              <a:t>‹#›</a:t>
             </a:fld>
             <a:endParaRPr lang="en-US" dirty="0"/>
           </a:p>
@@ -2403,7 +2403,7 @@
           <a:p>
             <a:fld id="{6D22F896-40B5-4ADD-8801-0D06FADFA095}" type="slidenum">
               <a:rPr lang="en-US" smtClean="0"/>
-              <a:t>‹nº›</a:t>
+              <a:t>‹#›</a:t>
             </a:fld>
             <a:endParaRPr lang="en-US" dirty="0"/>
           </a:p>
@@ -2526,7 +2526,7 @@
           <a:p>
             <a:fld id="{6D22F896-40B5-4ADD-8801-0D06FADFA095}" type="slidenum">
               <a:rPr lang="en-US" smtClean="0"/>
-              <a:t>‹nº›</a:t>
+              <a:t>‹#›</a:t>
             </a:fld>
             <a:endParaRPr lang="en-US" dirty="0"/>
           </a:p>
@@ -2710,7 +2710,7 @@
           <a:p>
             <a:fld id="{6D22F896-40B5-4ADD-8801-0D06FADFA095}" type="slidenum">
               <a:rPr lang="en-US" smtClean="0"/>
-              <a:t>‹nº›</a:t>
+              <a:t>‹#›</a:t>
             </a:fld>
             <a:endParaRPr lang="en-US" dirty="0"/>
           </a:p>
@@ -3082,7 +3082,7 @@
           <a:p>
             <a:fld id="{6D22F896-40B5-4ADD-8801-0D06FADFA095}" type="slidenum">
               <a:rPr lang="en-US" smtClean="0"/>
-              <a:t>‹nº›</a:t>
+              <a:t>‹#›</a:t>
             </a:fld>
             <a:endParaRPr lang="en-US" dirty="0"/>
           </a:p>
@@ -3443,7 +3443,7 @@
           <a:p>
             <a:fld id="{6D22F896-40B5-4ADD-8801-0D06FADFA095}" type="slidenum">
               <a:rPr lang="en-US" smtClean="0"/>
-              <a:t>‹nº›</a:t>
+              <a:t>‹#›</a:t>
             </a:fld>
             <a:endParaRPr lang="en-US" dirty="0"/>
           </a:p>
@@ -3768,7 +3768,7 @@
             <a:fld id="{6D22F896-40B5-4ADD-8801-0D06FADFA095}" type="slidenum">
               <a:rPr lang="en-US" smtClean="0"/>
               <a:pPr/>
-              <a:t>‹nº›</a:t>
+              <a:t>‹#›</a:t>
             </a:fld>
             <a:endParaRPr lang="en-US" dirty="0"/>
           </a:p>
@@ -5172,7 +5172,7 @@
                   </a:schemeClr>
                 </a:solidFill>
               </a:rPr>
-              <a:t>, </a:t>
+              <a:t>, com </a:t>
             </a:r>
             <a:r>
               <a:rPr lang="en-US" sz="1600" dirty="0" err="1">
@@ -5183,7 +5183,7 @@
                   </a:schemeClr>
                 </a:solidFill>
               </a:rPr>
-              <a:t>comvalores</a:t>
+              <a:t>valores</a:t>
             </a:r>
             <a:r>
               <a:rPr lang="en-US" sz="1600" dirty="0">
@@ -5535,7 +5535,29 @@
                   </a:schemeClr>
                 </a:solidFill>
               </a:rPr>
-              <a:t> annual do </a:t>
+              <a:t> </a:t>
+            </a:r>
+            <a:r>
+              <a:rPr lang="en-US" sz="1600" dirty="0" err="1">
+                <a:solidFill>
+                  <a:schemeClr val="tx1">
+                    <a:lumMod val="75000"/>
+                    <a:lumOff val="25000"/>
+                  </a:schemeClr>
+                </a:solidFill>
+              </a:rPr>
+              <a:t>anual</a:t>
+            </a:r>
+            <a:r>
+              <a:rPr lang="en-US" sz="1600" dirty="0">
+                <a:solidFill>
+                  <a:schemeClr val="tx1">
+                    <a:lumMod val="75000"/>
+                    <a:lumOff val="25000"/>
+                  </a:schemeClr>
+                </a:solidFill>
+              </a:rPr>
+              <a:t> do </a:t>
             </a:r>
             <a:r>
               <a:rPr lang="en-US" sz="1600" dirty="0" err="1">
@@ -6107,7 +6129,7 @@
           <a:p>
             <a:pPr lvl="1" algn="just">
               <a:lnSpc>
-                <a:spcPct val="100000"/>
+                <a:spcPct val="200000"/>
               </a:lnSpc>
               <a:buClrTx/>
               <a:buFont typeface="Wingdings" panose="05000000000000000000" pitchFamily="2" charset="2"/>
@@ -6124,7 +6146,7 @@
           <a:p>
             <a:pPr lvl="1" algn="just">
               <a:lnSpc>
-                <a:spcPct val="100000"/>
+                <a:spcPct val="200000"/>
               </a:lnSpc>
               <a:buClrTx/>
               <a:buFont typeface="Wingdings" panose="05000000000000000000" pitchFamily="2" charset="2"/>
@@ -6141,7 +6163,7 @@
           <a:p>
             <a:pPr lvl="1" algn="just">
               <a:lnSpc>
-                <a:spcPct val="100000"/>
+                <a:spcPct val="200000"/>
               </a:lnSpc>
               <a:buClrTx/>
               <a:buFont typeface="Wingdings" panose="05000000000000000000" pitchFamily="2" charset="2"/>
@@ -6158,7 +6180,7 @@
           <a:p>
             <a:pPr lvl="1" algn="just">
               <a:lnSpc>
-                <a:spcPct val="100000"/>
+                <a:spcPct val="200000"/>
               </a:lnSpc>
               <a:buClrTx/>
               <a:buFont typeface="Wingdings" panose="05000000000000000000" pitchFamily="2" charset="2"/>
@@ -6204,6 +6226,139 @@
               <a:rPr lang="en-US" sz="1600" dirty="0" err="1"/>
               <a:t>teórico-práticas</a:t>
             </a:r>
+            <a:endParaRPr lang="en-US" sz="1600" dirty="0"/>
+          </a:p>
+          <a:p>
+            <a:pPr lvl="1">
+              <a:lnSpc>
+                <a:spcPct val="200000"/>
+              </a:lnSpc>
+              <a:buClrTx/>
+              <a:buFont typeface="Wingdings" panose="05000000000000000000" pitchFamily="2" charset="2"/>
+              <a:buChar char="Ø"/>
+            </a:pPr>
+            <a:r>
+              <a:rPr lang="en-US" sz="1600" dirty="0">
+                <a:hlinkClick r:id="rId5"/>
+              </a:rPr>
+              <a:t>https://pandas.pydata.org/</a:t>
+            </a:r>
+            <a:r>
+              <a:rPr lang="en-US" sz="1600" dirty="0"/>
+              <a:t>, </a:t>
+            </a:r>
+            <a:r>
+              <a:rPr lang="en-US" sz="1600" dirty="0">
+                <a:hlinkClick r:id="rId6"/>
+              </a:rPr>
+              <a:t>https://scikit-learn.org/stable/</a:t>
+            </a:r>
+            <a:r>
+              <a:rPr lang="en-US" sz="1600" dirty="0"/>
+              <a:t>, </a:t>
+            </a:r>
+            <a:r>
+              <a:rPr lang="en-US" sz="1600" dirty="0">
+                <a:hlinkClick r:id="rId7"/>
+              </a:rPr>
+              <a:t>https://numpy.org/</a:t>
+            </a:r>
+            <a:r>
+              <a:rPr lang="en-US" sz="1600" dirty="0"/>
+              <a:t>, </a:t>
+            </a:r>
+            <a:r>
+              <a:rPr lang="en-US" sz="1600" dirty="0">
+                <a:hlinkClick r:id="rId8"/>
+              </a:rPr>
+              <a:t>https://matplotlib.org/</a:t>
+            </a:r>
+            <a:r>
+              <a:rPr lang="en-US" sz="1600" dirty="0"/>
+              <a:t>, </a:t>
+            </a:r>
+            <a:r>
+              <a:rPr lang="en-US" sz="1600" dirty="0">
+                <a:hlinkClick r:id="rId9"/>
+              </a:rPr>
+              <a:t>https://keras.io/</a:t>
+            </a:r>
+            <a:endParaRPr lang="en-US" sz="1600" dirty="0"/>
+          </a:p>
+          <a:p>
+            <a:pPr lvl="1" algn="just">
+              <a:lnSpc>
+                <a:spcPct val="170000"/>
+              </a:lnSpc>
+              <a:buClrTx/>
+              <a:buFont typeface="Wingdings" panose="05000000000000000000" pitchFamily="2" charset="2"/>
+              <a:buChar char="Ø"/>
+            </a:pPr>
+            <a:endParaRPr lang="en-US" sz="1600" dirty="0"/>
+          </a:p>
+          <a:p>
+            <a:pPr lvl="1" algn="just">
+              <a:lnSpc>
+                <a:spcPct val="170000"/>
+              </a:lnSpc>
+              <a:buClrTx/>
+              <a:buFont typeface="Wingdings" panose="05000000000000000000" pitchFamily="2" charset="2"/>
+              <a:buChar char="Ø"/>
+            </a:pPr>
+            <a:endParaRPr lang="en-US" sz="1600" dirty="0"/>
+          </a:p>
+          <a:p>
+            <a:pPr lvl="1" algn="just">
+              <a:lnSpc>
+                <a:spcPct val="170000"/>
+              </a:lnSpc>
+              <a:buClrTx/>
+              <a:buFont typeface="Wingdings" panose="05000000000000000000" pitchFamily="2" charset="2"/>
+              <a:buChar char="Ø"/>
+            </a:pPr>
+            <a:endParaRPr lang="en-US" sz="1600" dirty="0"/>
+          </a:p>
+          <a:p>
+            <a:pPr lvl="1" algn="just">
+              <a:lnSpc>
+                <a:spcPct val="170000"/>
+              </a:lnSpc>
+              <a:buClrTx/>
+              <a:buFont typeface="Wingdings" panose="05000000000000000000" pitchFamily="2" charset="2"/>
+              <a:buChar char="Ø"/>
+            </a:pPr>
+            <a:endParaRPr lang="en-US" sz="1600" dirty="0"/>
+          </a:p>
+          <a:p>
+            <a:pPr marL="201168" lvl="1" indent="0" algn="just">
+              <a:lnSpc>
+                <a:spcPct val="170000"/>
+              </a:lnSpc>
+              <a:buClrTx/>
+              <a:buNone/>
+            </a:pPr>
+            <a:endParaRPr lang="en-US" sz="1600" dirty="0"/>
+          </a:p>
+          <a:p>
+            <a:pPr lvl="1" algn="just">
+              <a:lnSpc>
+                <a:spcPct val="170000"/>
+              </a:lnSpc>
+              <a:buClrTx/>
+              <a:buFont typeface="Wingdings" panose="05000000000000000000" pitchFamily="2" charset="2"/>
+              <a:buChar char="Ø"/>
+            </a:pPr>
+            <a:endParaRPr lang="en-US" sz="1600" dirty="0"/>
+          </a:p>
+          <a:p>
+            <a:pPr lvl="1" algn="just">
+              <a:lnSpc>
+                <a:spcPct val="170000"/>
+              </a:lnSpc>
+              <a:buClrTx/>
+              <a:buFont typeface="Wingdings" panose="05000000000000000000" pitchFamily="2" charset="2"/>
+              <a:buChar char="Ø"/>
+            </a:pPr>
             <a:endParaRPr lang="en-US" sz="1600" dirty="0"/>
           </a:p>
         </p:txBody>

--- a/proj2/docs/checkpoint.pptx
+++ b/proj2/docs/checkpoint.pptx
@@ -202,7 +202,7 @@
           <a:p>
             <a:fld id="{F44294F6-B623-4C0C-8B0A-DE37EB53E815}" type="datetimeFigureOut">
               <a:rPr lang="pt-PT" smtClean="0"/>
-              <a:t>16/05/2021</a:t>
+              <a:t>17/05/2021</a:t>
             </a:fld>
             <a:endParaRPr lang="pt-PT"/>
           </a:p>
@@ -360,7 +360,7 @@
           <a:p>
             <a:fld id="{A22E88E1-E8DF-46B1-887B-DC41C5AA562A}" type="slidenum">
               <a:rPr lang="pt-PT" smtClean="0"/>
-              <a:t>‹#›</a:t>
+              <a:t>‹nº›</a:t>
             </a:fld>
             <a:endParaRPr lang="pt-PT"/>
           </a:p>
@@ -695,7 +695,7 @@
           <a:p>
             <a:fld id="{73127B9F-1CEF-4C20-BF03-D17360EE4279}" type="datetime1">
               <a:rPr lang="en-US" smtClean="0"/>
-              <a:t>5/16/2021</a:t>
+              <a:t>5/17/2021</a:t>
             </a:fld>
             <a:endParaRPr lang="en-US" dirty="0"/>
           </a:p>
@@ -742,7 +742,7 @@
           <a:p>
             <a:fld id="{6D22F896-40B5-4ADD-8801-0D06FADFA095}" type="slidenum">
               <a:rPr lang="en-US" smtClean="0"/>
-              <a:t>‹#›</a:t>
+              <a:t>‹nº›</a:t>
             </a:fld>
             <a:endParaRPr lang="en-US" dirty="0"/>
           </a:p>
@@ -908,7 +908,7 @@
           <a:p>
             <a:fld id="{9C2AA84B-6463-48D6-9640-AA8D8EC0676F}" type="datetime1">
               <a:rPr lang="en-US" smtClean="0"/>
-              <a:t>5/16/2021</a:t>
+              <a:t>5/17/2021</a:t>
             </a:fld>
             <a:endParaRPr lang="en-US" dirty="0"/>
           </a:p>
@@ -955,7 +955,7 @@
           <a:p>
             <a:fld id="{6D22F896-40B5-4ADD-8801-0D06FADFA095}" type="slidenum">
               <a:rPr lang="en-US" smtClean="0"/>
-              <a:t>‹#›</a:t>
+              <a:t>‹nº›</a:t>
             </a:fld>
             <a:endParaRPr lang="en-US" dirty="0"/>
           </a:p>
@@ -1169,7 +1169,7 @@
           <a:p>
             <a:fld id="{17AEE62D-9B0A-477D-B3AC-2619EA412BF5}" type="datetime1">
               <a:rPr lang="en-US" smtClean="0"/>
-              <a:t>5/16/2021</a:t>
+              <a:t>5/17/2021</a:t>
             </a:fld>
             <a:endParaRPr lang="en-US" dirty="0"/>
           </a:p>
@@ -1216,7 +1216,7 @@
           <a:p>
             <a:fld id="{6D22F896-40B5-4ADD-8801-0D06FADFA095}" type="slidenum">
               <a:rPr lang="en-US" smtClean="0"/>
-              <a:t>‹#›</a:t>
+              <a:t>‹nº›</a:t>
             </a:fld>
             <a:endParaRPr lang="en-US" dirty="0"/>
           </a:p>
@@ -1344,7 +1344,7 @@
           <a:p>
             <a:fld id="{8861DA35-EAEB-489D-A1AF-9015E3D16DF9}" type="datetime1">
               <a:rPr lang="en-US" smtClean="0"/>
-              <a:t>5/16/2021</a:t>
+              <a:t>5/17/2021</a:t>
             </a:fld>
             <a:endParaRPr lang="en-US" dirty="0"/>
           </a:p>
@@ -1391,7 +1391,7 @@
           <a:p>
             <a:fld id="{6D22F896-40B5-4ADD-8801-0D06FADFA095}" type="slidenum">
               <a:rPr lang="en-US" smtClean="0"/>
-              <a:t>‹#›</a:t>
+              <a:t>‹nº›</a:t>
             </a:fld>
             <a:endParaRPr lang="en-US" dirty="0"/>
           </a:p>
@@ -1692,7 +1692,7 @@
           <a:p>
             <a:fld id="{72C57D42-48FC-4059-8102-DCAA8818E42F}" type="datetime1">
               <a:rPr lang="en-US" smtClean="0"/>
-              <a:t>5/16/2021</a:t>
+              <a:t>5/17/2021</a:t>
             </a:fld>
             <a:endParaRPr lang="en-US" dirty="0"/>
           </a:p>
@@ -1739,7 +1739,7 @@
           <a:p>
             <a:fld id="{6D22F896-40B5-4ADD-8801-0D06FADFA095}" type="slidenum">
               <a:rPr lang="en-US" smtClean="0"/>
-              <a:t>‹#›</a:t>
+              <a:t>‹nº›</a:t>
             </a:fld>
             <a:endParaRPr lang="en-US" dirty="0"/>
           </a:p>
@@ -1972,7 +1972,7 @@
           <a:p>
             <a:fld id="{E1632BDA-8E0D-4498-8032-34BF76D7B241}" type="datetime1">
               <a:rPr lang="en-US" smtClean="0"/>
-              <a:t>5/16/2021</a:t>
+              <a:t>5/17/2021</a:t>
             </a:fld>
             <a:endParaRPr lang="en-US" dirty="0"/>
           </a:p>
@@ -2019,7 +2019,7 @@
           <a:p>
             <a:fld id="{6D22F896-40B5-4ADD-8801-0D06FADFA095}" type="slidenum">
               <a:rPr lang="en-US" smtClean="0"/>
-              <a:t>‹#›</a:t>
+              <a:t>‹nº›</a:t>
             </a:fld>
             <a:endParaRPr lang="en-US" dirty="0"/>
           </a:p>
@@ -2356,7 +2356,7 @@
           <a:p>
             <a:fld id="{74260D5A-4A0B-4CED-8D66-4ADB1195BC89}" type="datetime1">
               <a:rPr lang="en-US" smtClean="0"/>
-              <a:t>5/16/2021</a:t>
+              <a:t>5/17/2021</a:t>
             </a:fld>
             <a:endParaRPr lang="en-US" dirty="0"/>
           </a:p>
@@ -2403,7 +2403,7 @@
           <a:p>
             <a:fld id="{6D22F896-40B5-4ADD-8801-0D06FADFA095}" type="slidenum">
               <a:rPr lang="en-US" smtClean="0"/>
-              <a:t>‹#›</a:t>
+              <a:t>‹nº›</a:t>
             </a:fld>
             <a:endParaRPr lang="en-US" dirty="0"/>
           </a:p>
@@ -2479,7 +2479,7 @@
           <a:p>
             <a:fld id="{91F6F9B4-FE5D-4101-A65A-2789C0AD46B7}" type="datetime1">
               <a:rPr lang="en-US" smtClean="0"/>
-              <a:t>5/16/2021</a:t>
+              <a:t>5/17/2021</a:t>
             </a:fld>
             <a:endParaRPr lang="en-US" dirty="0"/>
           </a:p>
@@ -2526,7 +2526,7 @@
           <a:p>
             <a:fld id="{6D22F896-40B5-4ADD-8801-0D06FADFA095}" type="slidenum">
               <a:rPr lang="en-US" smtClean="0"/>
-              <a:t>‹#›</a:t>
+              <a:t>‹nº›</a:t>
             </a:fld>
             <a:endParaRPr lang="en-US" dirty="0"/>
           </a:p>
@@ -2655,7 +2655,7 @@
           <a:p>
             <a:fld id="{180BD065-C9D8-4349-98F7-40EA485F831D}" type="datetime1">
               <a:rPr lang="en-US" smtClean="0"/>
-              <a:t>5/16/2021</a:t>
+              <a:t>5/17/2021</a:t>
             </a:fld>
             <a:endParaRPr lang="en-US" dirty="0"/>
           </a:p>
@@ -2710,7 +2710,7 @@
           <a:p>
             <a:fld id="{6D22F896-40B5-4ADD-8801-0D06FADFA095}" type="slidenum">
               <a:rPr lang="en-US" smtClean="0"/>
-              <a:t>‹#›</a:t>
+              <a:t>‹nº›</a:t>
             </a:fld>
             <a:endParaRPr lang="en-US" dirty="0"/>
           </a:p>
@@ -3014,7 +3014,7 @@
           <a:p>
             <a:fld id="{BA50BE06-1E37-4C09-8CAB-0552D9D0B473}" type="datetime1">
               <a:rPr lang="en-US" smtClean="0"/>
-              <a:t>5/16/2021</a:t>
+              <a:t>5/17/2021</a:t>
             </a:fld>
             <a:endParaRPr lang="en-US" dirty="0"/>
           </a:p>
@@ -3082,7 +3082,7 @@
           <a:p>
             <a:fld id="{6D22F896-40B5-4ADD-8801-0D06FADFA095}" type="slidenum">
               <a:rPr lang="en-US" smtClean="0"/>
-              <a:t>‹#›</a:t>
+              <a:t>‹nº›</a:t>
             </a:fld>
             <a:endParaRPr lang="en-US" dirty="0"/>
           </a:p>
@@ -3396,7 +3396,7 @@
           <a:p>
             <a:fld id="{68368B77-A686-46B6-9C66-013E6212C94A}" type="datetime1">
               <a:rPr lang="en-US" smtClean="0"/>
-              <a:t>5/16/2021</a:t>
+              <a:t>5/17/2021</a:t>
             </a:fld>
             <a:endParaRPr lang="en-US" dirty="0"/>
           </a:p>
@@ -3443,7 +3443,7 @@
           <a:p>
             <a:fld id="{6D22F896-40B5-4ADD-8801-0D06FADFA095}" type="slidenum">
               <a:rPr lang="en-US" smtClean="0"/>
-              <a:t>‹#›</a:t>
+              <a:t>‹nº›</a:t>
             </a:fld>
             <a:endParaRPr lang="en-US" dirty="0"/>
           </a:p>
@@ -3688,7 +3688,7 @@
           <a:p>
             <a:fld id="{3CD9D971-2A51-4AF6-BFC5-14FC66AB3101}" type="datetime1">
               <a:rPr lang="en-US" smtClean="0"/>
-              <a:t>5/16/2021</a:t>
+              <a:t>5/17/2021</a:t>
             </a:fld>
             <a:endParaRPr lang="en-US" dirty="0"/>
           </a:p>
@@ -3768,7 +3768,7 @@
             <a:fld id="{6D22F896-40B5-4ADD-8801-0D06FADFA095}" type="slidenum">
               <a:rPr lang="en-US" smtClean="0"/>
               <a:pPr/>
-              <a:t>‹#›</a:t>
+              <a:t>‹nº›</a:t>
             </a:fld>
             <a:endParaRPr lang="en-US" dirty="0"/>
           </a:p>
@@ -8248,15 +8248,7 @@
           <a:p>
             <a:r>
               <a:rPr lang="pt-PT" sz="1600" dirty="0"/>
-              <a:t>Para além da remoção das colunas, começamos também a resolver os casos em que faltavam valores em algumas colunas e a converter os valores de colunas categóricas em valores numéricos de forma a poderem ser </a:t>
-            </a:r>
-            <a:r>
-              <a:rPr lang="pt-PT" sz="1600" dirty="0" err="1"/>
-              <a:t>analaisados</a:t>
-            </a:r>
-            <a:r>
-              <a:rPr lang="pt-PT" sz="1600" dirty="0"/>
-              <a:t>.</a:t>
+              <a:t>Para além da remoção das colunas, começamos também a resolver os casos em que faltavam valores em algumas colunas e a converter os valores de colunas categóricas em valores numéricos de forma a poderem ser analisados.</a:t>
             </a:r>
           </a:p>
         </p:txBody>
